--- a/启亦电子/GIS.pptx
+++ b/启亦电子/GIS.pptx
@@ -5,19 +5,17 @@
     <p:sldMasterId id="2147483650" r:id="rId1"/>
   </p:sldMasterIdLst>
   <p:notesMasterIdLst>
-    <p:notesMasterId r:id="rId9"/>
+    <p:notesMasterId r:id="rId7"/>
   </p:notesMasterIdLst>
   <p:handoutMasterIdLst>
-    <p:handoutMasterId r:id="rId10"/>
+    <p:handoutMasterId r:id="rId8"/>
   </p:handoutMasterIdLst>
   <p:sldIdLst>
-    <p:sldId id="279" r:id="rId2"/>
-    <p:sldId id="256" r:id="rId3"/>
-    <p:sldId id="274" r:id="rId4"/>
-    <p:sldId id="275" r:id="rId5"/>
-    <p:sldId id="276" r:id="rId6"/>
-    <p:sldId id="277" r:id="rId7"/>
-    <p:sldId id="278" r:id="rId8"/>
+    <p:sldId id="256" r:id="rId2"/>
+    <p:sldId id="274" r:id="rId3"/>
+    <p:sldId id="275" r:id="rId4"/>
+    <p:sldId id="276" r:id="rId5"/>
+    <p:sldId id="278" r:id="rId6"/>
   </p:sldIdLst>
   <p:sldSz cx="6856413" cy="5141913"/>
   <p:notesSz cx="6858000" cy="9144000"/>
@@ -151,362 +149,6 @@
   <c:chart>
     <c:autoTitleDeleted val="1"/>
     <c:plotArea>
-      <c:layout/>
-      <c:barChart>
-        <c:barDir val="col"/>
-        <c:grouping val="clustered"/>
-        <c:varyColors val="0"/>
-        <c:ser>
-          <c:idx val="0"/>
-          <c:order val="0"/>
-          <c:tx>
-            <c:strRef>
-              <c:f>Sheet1!$B$1</c:f>
-              <c:strCache>
-                <c:ptCount val="1"/>
-                <c:pt idx="0">
-                  <c:v>工作量</c:v>
-                </c:pt>
-              </c:strCache>
-            </c:strRef>
-          </c:tx>
-          <c:spPr>
-            <a:solidFill>
-              <a:schemeClr val="accent1"/>
-            </a:solidFill>
-            <a:ln>
-              <a:noFill/>
-            </a:ln>
-            <a:effectLst/>
-          </c:spPr>
-          <c:invertIfNegative val="0"/>
-          <c:cat>
-            <c:strRef>
-              <c:f>Sheet1!$A$2:$A$5</c:f>
-              <c:strCache>
-                <c:ptCount val="4"/>
-                <c:pt idx="0">
-                  <c:v>汪书畅</c:v>
-                </c:pt>
-                <c:pt idx="1">
-                  <c:v>符史梁</c:v>
-                </c:pt>
-                <c:pt idx="2">
-                  <c:v>钟帅</c:v>
-                </c:pt>
-                <c:pt idx="3">
-                  <c:v>陈列可</c:v>
-                </c:pt>
-              </c:strCache>
-            </c:strRef>
-          </c:cat>
-          <c:val>
-            <c:numRef>
-              <c:f>Sheet1!$B$2:$B$5</c:f>
-              <c:numCache>
-                <c:formatCode>General</c:formatCode>
-                <c:ptCount val="4"/>
-                <c:pt idx="0">
-                  <c:v>20.0</c:v>
-                </c:pt>
-                <c:pt idx="1">
-                  <c:v>10.0</c:v>
-                </c:pt>
-                <c:pt idx="2">
-                  <c:v>30.0</c:v>
-                </c:pt>
-                <c:pt idx="3">
-                  <c:v>20.0</c:v>
-                </c:pt>
-              </c:numCache>
-            </c:numRef>
-          </c:val>
-          <c:extLst xmlns:c16r2="http://schemas.microsoft.com/office/drawing/2015/06/chart">
-            <c:ext xmlns:c16="http://schemas.microsoft.com/office/drawing/2014/chart" uri="{C3380CC4-5D6E-409C-BE32-E72D297353CC}">
-              <c16:uniqueId val="{00000000-53B1-4AFF-927D-971E32F5F73E}"/>
-            </c:ext>
-          </c:extLst>
-        </c:ser>
-        <c:ser>
-          <c:idx val="1"/>
-          <c:order val="1"/>
-          <c:tx>
-            <c:strRef>
-              <c:f>Sheet1!$C$1</c:f>
-              <c:strCache>
-                <c:ptCount val="1"/>
-                <c:pt idx="0">
-                  <c:v>印象分</c:v>
-                </c:pt>
-              </c:strCache>
-            </c:strRef>
-          </c:tx>
-          <c:spPr>
-            <a:solidFill>
-              <a:schemeClr val="accent2"/>
-            </a:solidFill>
-            <a:ln>
-              <a:noFill/>
-            </a:ln>
-            <a:effectLst/>
-          </c:spPr>
-          <c:invertIfNegative val="0"/>
-          <c:cat>
-            <c:strRef>
-              <c:f>Sheet1!$A$2:$A$5</c:f>
-              <c:strCache>
-                <c:ptCount val="4"/>
-                <c:pt idx="0">
-                  <c:v>汪书畅</c:v>
-                </c:pt>
-                <c:pt idx="1">
-                  <c:v>符史梁</c:v>
-                </c:pt>
-                <c:pt idx="2">
-                  <c:v>钟帅</c:v>
-                </c:pt>
-                <c:pt idx="3">
-                  <c:v>陈列可</c:v>
-                </c:pt>
-              </c:strCache>
-            </c:strRef>
-          </c:cat>
-          <c:val>
-            <c:numRef>
-              <c:f>Sheet1!$C$2:$C$5</c:f>
-              <c:numCache>
-                <c:formatCode>General</c:formatCode>
-                <c:ptCount val="4"/>
-                <c:pt idx="0">
-                  <c:v>70.0</c:v>
-                </c:pt>
-                <c:pt idx="1">
-                  <c:v>10.0</c:v>
-                </c:pt>
-                <c:pt idx="2">
-                  <c:v>80.0</c:v>
-                </c:pt>
-                <c:pt idx="3">
-                  <c:v>70.0</c:v>
-                </c:pt>
-              </c:numCache>
-            </c:numRef>
-          </c:val>
-          <c:extLst xmlns:c16r2="http://schemas.microsoft.com/office/drawing/2015/06/chart">
-            <c:ext xmlns:c16="http://schemas.microsoft.com/office/drawing/2014/chart" uri="{C3380CC4-5D6E-409C-BE32-E72D297353CC}">
-              <c16:uniqueId val="{00000001-53B1-4AFF-927D-971E32F5F73E}"/>
-            </c:ext>
-          </c:extLst>
-        </c:ser>
-        <c:dLbls>
-          <c:showLegendKey val="0"/>
-          <c:showVal val="0"/>
-          <c:showCatName val="0"/>
-          <c:showSerName val="0"/>
-          <c:showPercent val="0"/>
-          <c:showBubbleSize val="0"/>
-        </c:dLbls>
-        <c:gapWidth val="219"/>
-        <c:axId val="-2100710944"/>
-        <c:axId val="-2100647216"/>
-      </c:barChart>
-      <c:catAx>
-        <c:axId val="-2100710944"/>
-        <c:scaling>
-          <c:orientation val="minMax"/>
-        </c:scaling>
-        <c:delete val="0"/>
-        <c:axPos val="b"/>
-        <c:numFmt formatCode="General" sourceLinked="1"/>
-        <c:majorTickMark val="none"/>
-        <c:minorTickMark val="none"/>
-        <c:tickLblPos val="nextTo"/>
-        <c:spPr>
-          <a:noFill/>
-          <a:ln w="9525" cap="flat" cmpd="sng" algn="ctr">
-            <a:solidFill>
-              <a:schemeClr val="accent3">
-                <a:shade val="95000"/>
-                <a:satMod val="105000"/>
-              </a:schemeClr>
-            </a:solidFill>
-            <a:prstDash val="solid"/>
-            <a:round/>
-          </a:ln>
-          <a:effectLst/>
-        </c:spPr>
-        <c:txPr>
-          <a:bodyPr rot="0" spcFirstLastPara="1" vertOverflow="ellipsis" wrap="square" anchor="ctr" anchorCtr="1"/>
-          <a:lstStyle/>
-          <a:p>
-            <a:pPr>
-              <a:defRPr sz="1200" b="1" i="0" u="none" strike="noStrike" kern="1200" baseline="0">
-                <a:solidFill>
-                  <a:schemeClr val="tx1"/>
-                </a:solidFill>
-                <a:latin typeface="+mn-lt"/>
-                <a:ea typeface="+mn-ea"/>
-                <a:cs typeface="+mn-cs"/>
-              </a:defRPr>
-            </a:pPr>
-            <a:endParaRPr lang="zh-CN"/>
-          </a:p>
-        </c:txPr>
-        <c:crossAx val="-2100647216"/>
-        <c:crosses val="autoZero"/>
-        <c:auto val="1"/>
-        <c:lblAlgn val="ctr"/>
-        <c:lblOffset val="100"/>
-        <c:noMultiLvlLbl val="0"/>
-      </c:catAx>
-      <c:valAx>
-        <c:axId val="-2100647216"/>
-        <c:scaling>
-          <c:orientation val="minMax"/>
-          <c:max val="100.0"/>
-        </c:scaling>
-        <c:delete val="0"/>
-        <c:axPos val="l"/>
-        <c:majorGridlines>
-          <c:spPr>
-            <a:ln w="9525" cap="flat" cmpd="sng" algn="ctr">
-              <a:solidFill>
-                <a:schemeClr val="tx1">
-                  <a:lumMod val="15000"/>
-                  <a:lumOff val="85000"/>
-                </a:schemeClr>
-              </a:solidFill>
-              <a:round/>
-            </a:ln>
-            <a:effectLst/>
-          </c:spPr>
-        </c:majorGridlines>
-        <c:numFmt formatCode="General" sourceLinked="1"/>
-        <c:majorTickMark val="none"/>
-        <c:minorTickMark val="none"/>
-        <c:tickLblPos val="nextTo"/>
-        <c:spPr>
-          <a:noFill/>
-          <a:ln>
-            <a:solidFill>
-              <a:schemeClr val="accent1"/>
-            </a:solidFill>
-          </a:ln>
-          <a:effectLst/>
-        </c:spPr>
-        <c:txPr>
-          <a:bodyPr rot="-60000000" spcFirstLastPara="1" vertOverflow="ellipsis" vert="horz" wrap="square" anchor="ctr" anchorCtr="1"/>
-          <a:lstStyle/>
-          <a:p>
-            <a:pPr>
-              <a:defRPr sz="1200" b="1" i="0" u="none" strike="noStrike" kern="1200" baseline="0">
-                <a:solidFill>
-                  <a:schemeClr val="tx1"/>
-                </a:solidFill>
-                <a:latin typeface="+mn-lt"/>
-                <a:ea typeface="+mn-ea"/>
-                <a:cs typeface="+mn-cs"/>
-              </a:defRPr>
-            </a:pPr>
-            <a:endParaRPr lang="zh-CN"/>
-          </a:p>
-        </c:txPr>
-        <c:crossAx val="-2100710944"/>
-        <c:crosses val="autoZero"/>
-        <c:crossBetween val="between"/>
-        <c:minorUnit val="3.75"/>
-      </c:valAx>
-      <c:spPr>
-        <a:noFill/>
-        <a:ln>
-          <a:noFill/>
-        </a:ln>
-        <a:effectLst/>
-      </c:spPr>
-    </c:plotArea>
-    <c:legend>
-      <c:legendPos val="b"/>
-      <c:layout/>
-      <c:overlay val="0"/>
-      <c:spPr>
-        <a:noFill/>
-        <a:ln>
-          <a:noFill/>
-        </a:ln>
-        <a:effectLst/>
-      </c:spPr>
-      <c:txPr>
-        <a:bodyPr rot="0" spcFirstLastPara="1" vertOverflow="ellipsis" vert="horz" wrap="square" anchor="ctr" anchorCtr="1"/>
-        <a:lstStyle/>
-        <a:p>
-          <a:pPr>
-            <a:defRPr sz="1200" b="1" i="0" u="none" strike="noStrike" kern="1200" baseline="0">
-              <a:solidFill>
-                <a:schemeClr val="tx1"/>
-              </a:solidFill>
-              <a:latin typeface="+mn-lt"/>
-              <a:ea typeface="+mn-ea"/>
-              <a:cs typeface="+mn-cs"/>
-            </a:defRPr>
-          </a:pPr>
-          <a:endParaRPr lang="zh-CN"/>
-        </a:p>
-      </c:txPr>
-    </c:legend>
-    <c:plotVisOnly val="1"/>
-    <c:dispBlanksAs val="gap"/>
-    <c:showDLblsOverMax val="0"/>
-    <c:extLst xmlns:c16r2="http://schemas.microsoft.com/office/drawing/2015/06/chart">
-      <c:ext xmlns:c16r3="http://schemas.microsoft.com/office/drawing/2017/03/chart" uri="{56B9EC1D-385E-4148-901F-78D8002777C0}">
-        <c16r3:dataDisplayOptions16>
-          <c16r3:dispNaAsBlank val="1"/>
-        </c16r3:dataDisplayOptions16>
-      </c:ext>
-    </c:extLst>
-  </c:chart>
-  <c:spPr>
-    <a:noFill/>
-    <a:ln>
-      <a:noFill/>
-    </a:ln>
-    <a:effectLst/>
-  </c:spPr>
-  <c:txPr>
-    <a:bodyPr/>
-    <a:lstStyle/>
-    <a:p>
-      <a:pPr>
-        <a:defRPr sz="1200" b="1" i="0" baseline="0">
-          <a:solidFill>
-            <a:schemeClr val="tx1"/>
-          </a:solidFill>
-        </a:defRPr>
-      </a:pPr>
-      <a:endParaRPr lang="zh-CN"/>
-    </a:p>
-  </c:txPr>
-  <c:externalData r:id="rId3">
-    <c:autoUpdate val="0"/>
-  </c:externalData>
-</c:chartSpace>
-</file>
-
-<file path=ppt/charts/chart2.xml><?xml version="1.0" encoding="utf-8"?>
-<c:chartSpace xmlns:c="http://schemas.openxmlformats.org/drawingml/2006/chart" xmlns:a="http://schemas.openxmlformats.org/drawingml/2006/main" xmlns:r="http://schemas.openxmlformats.org/officeDocument/2006/relationships">
-  <c:date1904 val="0"/>
-  <c:lang val="zh-CN"/>
-  <c:roundedCorners val="0"/>
-  <mc:AlternateContent xmlns:mc="http://schemas.openxmlformats.org/markup-compatibility/2006">
-    <mc:Choice xmlns:c14="http://schemas.microsoft.com/office/drawing/2007/8/2/chart" Requires="c14">
-      <c14:style val="102"/>
-    </mc:Choice>
-    <mc:Fallback>
-      <c:style val="2"/>
-    </mc:Fallback>
-  </mc:AlternateContent>
-  <c:chart>
-    <c:autoTitleDeleted val="1"/>
-    <c:plotArea>
       <c:layout>
         <c:manualLayout>
           <c:layoutTarget val="inner"/>
@@ -573,16 +215,16 @@
                 <c:formatCode>General</c:formatCode>
                 <c:ptCount val="4"/>
                 <c:pt idx="0">
-                  <c:v>0.95</c:v>
+                  <c:v>1.0</c:v>
                 </c:pt>
                 <c:pt idx="1">
-                  <c:v>0.95</c:v>
+                  <c:v>1.0</c:v>
                 </c:pt>
                 <c:pt idx="2">
-                  <c:v>0.9</c:v>
+                  <c:v>1.0</c:v>
                 </c:pt>
                 <c:pt idx="3">
-                  <c:v>0.8</c:v>
+                  <c:v>1.0</c:v>
                 </c:pt>
               </c:numCache>
             </c:numRef>
@@ -703,16 +345,16 @@
                 <c:formatCode>General</c:formatCode>
                 <c:ptCount val="4"/>
                 <c:pt idx="0">
-                  <c:v>0.95</c:v>
+                  <c:v>1.0</c:v>
                 </c:pt>
                 <c:pt idx="1">
-                  <c:v>0.95</c:v>
+                  <c:v>1.0</c:v>
                 </c:pt>
                 <c:pt idx="2">
-                  <c:v>0.75</c:v>
+                  <c:v>0.9</c:v>
                 </c:pt>
                 <c:pt idx="3">
-                  <c:v>0.75</c:v>
+                  <c:v>0.95</c:v>
                 </c:pt>
               </c:numCache>
             </c:numRef>
@@ -804,11 +446,11 @@
         </c:dLbls>
         <c:gapWidth val="106"/>
         <c:overlap val="9"/>
-        <c:axId val="-2107167328"/>
-        <c:axId val="-2107163920"/>
+        <c:axId val="-2118026800"/>
+        <c:axId val="-2108221888"/>
       </c:barChart>
       <c:catAx>
-        <c:axId val="-2107167328"/>
+        <c:axId val="-2118026800"/>
         <c:scaling>
           <c:orientation val="minMax"/>
         </c:scaling>
@@ -848,7 +490,7 @@
             <a:endParaRPr lang="zh-CN"/>
           </a:p>
         </c:txPr>
-        <c:crossAx val="-2107163920"/>
+        <c:crossAx val="-2108221888"/>
         <c:crosses val="autoZero"/>
         <c:auto val="1"/>
         <c:lblAlgn val="ctr"/>
@@ -856,7 +498,7 @@
         <c:noMultiLvlLbl val="0"/>
       </c:catAx>
       <c:valAx>
-        <c:axId val="-2107163920"/>
+        <c:axId val="-2108221888"/>
         <c:scaling>
           <c:orientation val="minMax"/>
           <c:max val="1.0"/>
@@ -905,7 +547,7 @@
             <a:endParaRPr lang="zh-CN"/>
           </a:p>
         </c:txPr>
-        <c:crossAx val="-2107167328"/>
+        <c:crossAx val="-2118026800"/>
         <c:crosses val="autoZero"/>
         <c:crossBetween val="between"/>
       </c:valAx>
@@ -974,7 +616,7 @@
 </c:chartSpace>
 </file>
 
-<file path=ppt/charts/chart3.xml><?xml version="1.0" encoding="utf-8"?>
+<file path=ppt/charts/chart2.xml><?xml version="1.0" encoding="utf-8"?>
 <c:chartSpace xmlns:c="http://schemas.openxmlformats.org/drawingml/2006/chart" xmlns:a="http://schemas.openxmlformats.org/drawingml/2006/main" xmlns:r="http://schemas.openxmlformats.org/officeDocument/2006/relationships">
   <c:date1904 val="0"/>
   <c:lang val="zh-CN"/>
@@ -1043,13 +685,13 @@
                 <c:formatCode>General</c:formatCode>
                 <c:ptCount val="4"/>
                 <c:pt idx="0">
+                  <c:v>35.0</c:v>
+                </c:pt>
+                <c:pt idx="1">
                   <c:v>30.0</c:v>
                 </c:pt>
-                <c:pt idx="1">
-                  <c:v>35.0</c:v>
-                </c:pt>
                 <c:pt idx="2">
-                  <c:v>20.0</c:v>
+                  <c:v>25.0</c:v>
                 </c:pt>
               </c:numCache>
             </c:numRef>
@@ -1108,10 +750,10 @@
                 <c:formatCode>General</c:formatCode>
                 <c:ptCount val="4"/>
                 <c:pt idx="0">
-                  <c:v>85.0</c:v>
+                  <c:v>90.0</c:v>
                 </c:pt>
                 <c:pt idx="1">
-                  <c:v>90.0</c:v>
+                  <c:v>80.0</c:v>
                 </c:pt>
                 <c:pt idx="2">
                   <c:v>85.0</c:v>
@@ -1134,11 +776,11 @@
           <c:showBubbleSize val="0"/>
         </c:dLbls>
         <c:gapWidth val="219"/>
-        <c:axId val="-2082317088"/>
-        <c:axId val="-2107812576"/>
+        <c:axId val="2122455712"/>
+        <c:axId val="-2110119168"/>
       </c:barChart>
       <c:catAx>
-        <c:axId val="-2082317088"/>
+        <c:axId val="2122455712"/>
         <c:scaling>
           <c:orientation val="minMax"/>
         </c:scaling>
@@ -1179,7 +821,7 @@
             <a:endParaRPr lang="zh-CN"/>
           </a:p>
         </c:txPr>
-        <c:crossAx val="-2107812576"/>
+        <c:crossAx val="-2110119168"/>
         <c:crosses val="autoZero"/>
         <c:auto val="1"/>
         <c:lblAlgn val="ctr"/>
@@ -1187,7 +829,7 @@
         <c:noMultiLvlLbl val="0"/>
       </c:catAx>
       <c:valAx>
-        <c:axId val="-2107812576"/>
+        <c:axId val="-2110119168"/>
         <c:scaling>
           <c:orientation val="minMax"/>
           <c:max val="100.0"/>
@@ -1238,7 +880,7 @@
             <a:endParaRPr lang="zh-CN"/>
           </a:p>
         </c:txPr>
-        <c:crossAx val="-2082317088"/>
+        <c:crossAx val="2122455712"/>
         <c:crosses val="autoZero"/>
         <c:crossBetween val="between"/>
         <c:minorUnit val="3.75"/>
@@ -1398,550 +1040,7 @@
 </cs:colorStyle>
 </file>
 
-<file path=ppt/charts/colors3.xml><?xml version="1.0" encoding="utf-8"?>
-<cs:colorStyle xmlns:cs="http://schemas.microsoft.com/office/drawing/2012/chartStyle" xmlns:a="http://schemas.openxmlformats.org/drawingml/2006/main" meth="cycle" id="10">
-  <a:schemeClr val="accent1"/>
-  <a:schemeClr val="accent2"/>
-  <a:schemeClr val="accent3"/>
-  <a:schemeClr val="accent4"/>
-  <a:schemeClr val="accent5"/>
-  <a:schemeClr val="accent6"/>
-  <cs:variation/>
-  <cs:variation>
-    <a:lumMod val="60000"/>
-  </cs:variation>
-  <cs:variation>
-    <a:lumMod val="80000"/>
-    <a:lumOff val="20000"/>
-  </cs:variation>
-  <cs:variation>
-    <a:lumMod val="80000"/>
-  </cs:variation>
-  <cs:variation>
-    <a:lumMod val="60000"/>
-    <a:lumOff val="40000"/>
-  </cs:variation>
-  <cs:variation>
-    <a:lumMod val="50000"/>
-  </cs:variation>
-  <cs:variation>
-    <a:lumMod val="70000"/>
-    <a:lumOff val="30000"/>
-  </cs:variation>
-  <cs:variation>
-    <a:lumMod val="70000"/>
-  </cs:variation>
-  <cs:variation>
-    <a:lumMod val="50000"/>
-    <a:lumOff val="50000"/>
-  </cs:variation>
-</cs:colorStyle>
-</file>
-
 <file path=ppt/charts/style1.xml><?xml version="1.0" encoding="utf-8"?>
-<cs:chartStyle xmlns:cs="http://schemas.microsoft.com/office/drawing/2012/chartStyle" xmlns:a="http://schemas.openxmlformats.org/drawingml/2006/main" id="201">
-  <cs:axisTitle>
-    <cs:lnRef idx="0"/>
-    <cs:fillRef idx="0"/>
-    <cs:effectRef idx="0"/>
-    <cs:fontRef idx="minor">
-      <a:schemeClr val="tx1">
-        <a:lumMod val="65000"/>
-        <a:lumOff val="35000"/>
-      </a:schemeClr>
-    </cs:fontRef>
-    <cs:defRPr sz="1330" kern="1200"/>
-  </cs:axisTitle>
-  <cs:categoryAxis>
-    <cs:lnRef idx="0"/>
-    <cs:fillRef idx="0"/>
-    <cs:effectRef idx="0"/>
-    <cs:fontRef idx="minor">
-      <a:schemeClr val="tx1">
-        <a:lumMod val="65000"/>
-        <a:lumOff val="35000"/>
-      </a:schemeClr>
-    </cs:fontRef>
-    <cs:spPr>
-      <a:ln w="9525" cap="flat" cmpd="sng" algn="ctr">
-        <a:solidFill>
-          <a:schemeClr val="tx1">
-            <a:lumMod val="15000"/>
-            <a:lumOff val="85000"/>
-          </a:schemeClr>
-        </a:solidFill>
-        <a:round/>
-      </a:ln>
-    </cs:spPr>
-    <cs:defRPr sz="1197" kern="1200"/>
-  </cs:categoryAxis>
-  <cs:chartArea mods="allowNoFillOverride allowNoLineOverride">
-    <cs:lnRef idx="0"/>
-    <cs:fillRef idx="0"/>
-    <cs:effectRef idx="0"/>
-    <cs:fontRef idx="minor">
-      <a:schemeClr val="tx1"/>
-    </cs:fontRef>
-    <cs:spPr>
-      <a:solidFill>
-        <a:schemeClr val="bg1"/>
-      </a:solidFill>
-      <a:ln w="9525" cap="flat" cmpd="sng" algn="ctr">
-        <a:solidFill>
-          <a:schemeClr val="tx1">
-            <a:lumMod val="15000"/>
-            <a:lumOff val="85000"/>
-          </a:schemeClr>
-        </a:solidFill>
-        <a:round/>
-      </a:ln>
-    </cs:spPr>
-    <cs:defRPr sz="1330" kern="1200"/>
-  </cs:chartArea>
-  <cs:dataLabel>
-    <cs:lnRef idx="0"/>
-    <cs:fillRef idx="0"/>
-    <cs:effectRef idx="0"/>
-    <cs:fontRef idx="minor">
-      <a:schemeClr val="tx1">
-        <a:lumMod val="75000"/>
-        <a:lumOff val="25000"/>
-      </a:schemeClr>
-    </cs:fontRef>
-    <cs:defRPr sz="1197" kern="1200"/>
-  </cs:dataLabel>
-  <cs:dataLabelCallout>
-    <cs:lnRef idx="0"/>
-    <cs:fillRef idx="0"/>
-    <cs:effectRef idx="0"/>
-    <cs:fontRef idx="minor">
-      <a:schemeClr val="dk1">
-        <a:lumMod val="65000"/>
-        <a:lumOff val="35000"/>
-      </a:schemeClr>
-    </cs:fontRef>
-    <cs:spPr>
-      <a:solidFill>
-        <a:schemeClr val="lt1"/>
-      </a:solidFill>
-      <a:ln>
-        <a:solidFill>
-          <a:schemeClr val="dk1">
-            <a:lumMod val="25000"/>
-            <a:lumOff val="75000"/>
-          </a:schemeClr>
-        </a:solidFill>
-      </a:ln>
-    </cs:spPr>
-    <cs:defRPr sz="1197" kern="1200"/>
-    <cs:bodyPr rot="0" spcFirstLastPara="1" vertOverflow="clip" horzOverflow="clip" vert="horz" wrap="square" lIns="36576" tIns="18288" rIns="36576" bIns="18288" anchor="ctr" anchorCtr="1">
-      <a:spAutoFit/>
-    </cs:bodyPr>
-  </cs:dataLabelCallout>
-  <cs:dataPoint>
-    <cs:lnRef idx="0"/>
-    <cs:fillRef idx="1">
-      <cs:styleClr val="auto"/>
-    </cs:fillRef>
-    <cs:effectRef idx="0"/>
-    <cs:fontRef idx="minor">
-      <a:schemeClr val="tx1"/>
-    </cs:fontRef>
-  </cs:dataPoint>
-  <cs:dataPoint3D>
-    <cs:lnRef idx="0"/>
-    <cs:fillRef idx="1">
-      <cs:styleClr val="auto"/>
-    </cs:fillRef>
-    <cs:effectRef idx="0"/>
-    <cs:fontRef idx="minor">
-      <a:schemeClr val="tx1"/>
-    </cs:fontRef>
-  </cs:dataPoint3D>
-  <cs:dataPointLine>
-    <cs:lnRef idx="0">
-      <cs:styleClr val="auto"/>
-    </cs:lnRef>
-    <cs:fillRef idx="1"/>
-    <cs:effectRef idx="0"/>
-    <cs:fontRef idx="minor">
-      <a:schemeClr val="tx1"/>
-    </cs:fontRef>
-    <cs:spPr>
-      <a:ln w="28575" cap="rnd">
-        <a:solidFill>
-          <a:schemeClr val="phClr"/>
-        </a:solidFill>
-        <a:round/>
-      </a:ln>
-    </cs:spPr>
-  </cs:dataPointLine>
-  <cs:dataPointMarker>
-    <cs:lnRef idx="0">
-      <cs:styleClr val="auto"/>
-    </cs:lnRef>
-    <cs:fillRef idx="1">
-      <cs:styleClr val="auto"/>
-    </cs:fillRef>
-    <cs:effectRef idx="0"/>
-    <cs:fontRef idx="minor">
-      <a:schemeClr val="tx1"/>
-    </cs:fontRef>
-    <cs:spPr>
-      <a:ln w="9525">
-        <a:solidFill>
-          <a:schemeClr val="phClr"/>
-        </a:solidFill>
-      </a:ln>
-    </cs:spPr>
-  </cs:dataPointMarker>
-  <cs:dataPointMarkerLayout symbol="circle" size="5"/>
-  <cs:dataPointWireframe>
-    <cs:lnRef idx="0">
-      <cs:styleClr val="auto"/>
-    </cs:lnRef>
-    <cs:fillRef idx="1"/>
-    <cs:effectRef idx="0"/>
-    <cs:fontRef idx="minor">
-      <a:schemeClr val="tx1"/>
-    </cs:fontRef>
-    <cs:spPr>
-      <a:ln w="9525" cap="rnd">
-        <a:solidFill>
-          <a:schemeClr val="phClr"/>
-        </a:solidFill>
-        <a:round/>
-      </a:ln>
-    </cs:spPr>
-  </cs:dataPointWireframe>
-  <cs:dataTable>
-    <cs:lnRef idx="0"/>
-    <cs:fillRef idx="0"/>
-    <cs:effectRef idx="0"/>
-    <cs:fontRef idx="minor">
-      <a:schemeClr val="tx1">
-        <a:lumMod val="65000"/>
-        <a:lumOff val="35000"/>
-      </a:schemeClr>
-    </cs:fontRef>
-    <cs:spPr>
-      <a:noFill/>
-      <a:ln w="9525" cap="flat" cmpd="sng" algn="ctr">
-        <a:solidFill>
-          <a:schemeClr val="tx1">
-            <a:lumMod val="15000"/>
-            <a:lumOff val="85000"/>
-          </a:schemeClr>
-        </a:solidFill>
-        <a:round/>
-      </a:ln>
-    </cs:spPr>
-    <cs:defRPr sz="1197" kern="1200"/>
-  </cs:dataTable>
-  <cs:downBar>
-    <cs:lnRef idx="0"/>
-    <cs:fillRef idx="0"/>
-    <cs:effectRef idx="0"/>
-    <cs:fontRef idx="minor">
-      <a:schemeClr val="dk1"/>
-    </cs:fontRef>
-    <cs:spPr>
-      <a:solidFill>
-        <a:schemeClr val="dk1">
-          <a:lumMod val="65000"/>
-          <a:lumOff val="35000"/>
-        </a:schemeClr>
-      </a:solidFill>
-      <a:ln w="9525">
-        <a:solidFill>
-          <a:schemeClr val="tx1">
-            <a:lumMod val="65000"/>
-            <a:lumOff val="35000"/>
-          </a:schemeClr>
-        </a:solidFill>
-      </a:ln>
-    </cs:spPr>
-  </cs:downBar>
-  <cs:dropLine>
-    <cs:lnRef idx="0"/>
-    <cs:fillRef idx="0"/>
-    <cs:effectRef idx="0"/>
-    <cs:fontRef idx="minor">
-      <a:schemeClr val="tx1"/>
-    </cs:fontRef>
-    <cs:spPr>
-      <a:ln w="9525" cap="flat" cmpd="sng" algn="ctr">
-        <a:solidFill>
-          <a:schemeClr val="tx1">
-            <a:lumMod val="35000"/>
-            <a:lumOff val="65000"/>
-          </a:schemeClr>
-        </a:solidFill>
-        <a:round/>
-      </a:ln>
-    </cs:spPr>
-  </cs:dropLine>
-  <cs:errorBar>
-    <cs:lnRef idx="0"/>
-    <cs:fillRef idx="0"/>
-    <cs:effectRef idx="0"/>
-    <cs:fontRef idx="minor">
-      <a:schemeClr val="tx1"/>
-    </cs:fontRef>
-    <cs:spPr>
-      <a:ln w="9525" cap="flat" cmpd="sng" algn="ctr">
-        <a:solidFill>
-          <a:schemeClr val="tx1">
-            <a:lumMod val="65000"/>
-            <a:lumOff val="35000"/>
-          </a:schemeClr>
-        </a:solidFill>
-        <a:round/>
-      </a:ln>
-    </cs:spPr>
-  </cs:errorBar>
-  <cs:floor>
-    <cs:lnRef idx="0"/>
-    <cs:fillRef idx="0"/>
-    <cs:effectRef idx="0"/>
-    <cs:fontRef idx="minor">
-      <a:schemeClr val="tx1"/>
-    </cs:fontRef>
-    <cs:spPr>
-      <a:noFill/>
-      <a:ln>
-        <a:noFill/>
-      </a:ln>
-    </cs:spPr>
-  </cs:floor>
-  <cs:gridlineMajor>
-    <cs:lnRef idx="0"/>
-    <cs:fillRef idx="0"/>
-    <cs:effectRef idx="0"/>
-    <cs:fontRef idx="minor">
-      <a:schemeClr val="tx1"/>
-    </cs:fontRef>
-    <cs:spPr>
-      <a:ln w="9525" cap="flat" cmpd="sng" algn="ctr">
-        <a:solidFill>
-          <a:schemeClr val="tx1">
-            <a:lumMod val="15000"/>
-            <a:lumOff val="85000"/>
-          </a:schemeClr>
-        </a:solidFill>
-        <a:round/>
-      </a:ln>
-    </cs:spPr>
-  </cs:gridlineMajor>
-  <cs:gridlineMinor>
-    <cs:lnRef idx="0"/>
-    <cs:fillRef idx="0"/>
-    <cs:effectRef idx="0"/>
-    <cs:fontRef idx="minor">
-      <a:schemeClr val="tx1"/>
-    </cs:fontRef>
-    <cs:spPr>
-      <a:ln w="9525" cap="flat" cmpd="sng" algn="ctr">
-        <a:solidFill>
-          <a:schemeClr val="tx1">
-            <a:lumMod val="5000"/>
-            <a:lumOff val="95000"/>
-          </a:schemeClr>
-        </a:solidFill>
-        <a:round/>
-      </a:ln>
-    </cs:spPr>
-  </cs:gridlineMinor>
-  <cs:hiLoLine>
-    <cs:lnRef idx="0"/>
-    <cs:fillRef idx="0"/>
-    <cs:effectRef idx="0"/>
-    <cs:fontRef idx="minor">
-      <a:schemeClr val="tx1"/>
-    </cs:fontRef>
-    <cs:spPr>
-      <a:ln w="9525" cap="flat" cmpd="sng" algn="ctr">
-        <a:solidFill>
-          <a:schemeClr val="tx1">
-            <a:lumMod val="75000"/>
-            <a:lumOff val="25000"/>
-          </a:schemeClr>
-        </a:solidFill>
-        <a:round/>
-      </a:ln>
-    </cs:spPr>
-  </cs:hiLoLine>
-  <cs:leaderLine>
-    <cs:lnRef idx="0"/>
-    <cs:fillRef idx="0"/>
-    <cs:effectRef idx="0"/>
-    <cs:fontRef idx="minor">
-      <a:schemeClr val="tx1"/>
-    </cs:fontRef>
-    <cs:spPr>
-      <a:ln w="9525" cap="flat" cmpd="sng" algn="ctr">
-        <a:solidFill>
-          <a:schemeClr val="tx1">
-            <a:lumMod val="35000"/>
-            <a:lumOff val="65000"/>
-          </a:schemeClr>
-        </a:solidFill>
-        <a:round/>
-      </a:ln>
-    </cs:spPr>
-  </cs:leaderLine>
-  <cs:legend>
-    <cs:lnRef idx="0"/>
-    <cs:fillRef idx="0"/>
-    <cs:effectRef idx="0"/>
-    <cs:fontRef idx="minor">
-      <a:schemeClr val="tx1">
-        <a:lumMod val="65000"/>
-        <a:lumOff val="35000"/>
-      </a:schemeClr>
-    </cs:fontRef>
-    <cs:defRPr sz="1197" kern="1200"/>
-  </cs:legend>
-  <cs:plotArea mods="allowNoFillOverride allowNoLineOverride">
-    <cs:lnRef idx="0"/>
-    <cs:fillRef idx="0"/>
-    <cs:effectRef idx="0"/>
-    <cs:fontRef idx="minor">
-      <a:schemeClr val="tx1"/>
-    </cs:fontRef>
-  </cs:plotArea>
-  <cs:plotArea3D mods="allowNoFillOverride allowNoLineOverride">
-    <cs:lnRef idx="0"/>
-    <cs:fillRef idx="0"/>
-    <cs:effectRef idx="0"/>
-    <cs:fontRef idx="minor">
-      <a:schemeClr val="tx1"/>
-    </cs:fontRef>
-  </cs:plotArea3D>
-  <cs:seriesAxis>
-    <cs:lnRef idx="0"/>
-    <cs:fillRef idx="0"/>
-    <cs:effectRef idx="0"/>
-    <cs:fontRef idx="minor">
-      <a:schemeClr val="tx1">
-        <a:lumMod val="65000"/>
-        <a:lumOff val="35000"/>
-      </a:schemeClr>
-    </cs:fontRef>
-    <cs:defRPr sz="1197" kern="1200"/>
-  </cs:seriesAxis>
-  <cs:seriesLine>
-    <cs:lnRef idx="0"/>
-    <cs:fillRef idx="0"/>
-    <cs:effectRef idx="0"/>
-    <cs:fontRef idx="minor">
-      <a:schemeClr val="tx1"/>
-    </cs:fontRef>
-    <cs:spPr>
-      <a:ln w="9525" cap="flat" cmpd="sng" algn="ctr">
-        <a:solidFill>
-          <a:schemeClr val="tx1">
-            <a:lumMod val="35000"/>
-            <a:lumOff val="65000"/>
-          </a:schemeClr>
-        </a:solidFill>
-        <a:round/>
-      </a:ln>
-    </cs:spPr>
-  </cs:seriesLine>
-  <cs:title>
-    <cs:lnRef idx="0"/>
-    <cs:fillRef idx="0"/>
-    <cs:effectRef idx="0"/>
-    <cs:fontRef idx="minor">
-      <a:schemeClr val="tx1">
-        <a:lumMod val="65000"/>
-        <a:lumOff val="35000"/>
-      </a:schemeClr>
-    </cs:fontRef>
-    <cs:defRPr sz="1862" b="0" kern="1200" spc="0" baseline="0"/>
-  </cs:title>
-  <cs:trendline>
-    <cs:lnRef idx="0">
-      <cs:styleClr val="auto"/>
-    </cs:lnRef>
-    <cs:fillRef idx="0"/>
-    <cs:effectRef idx="0"/>
-    <cs:fontRef idx="minor">
-      <a:schemeClr val="tx1"/>
-    </cs:fontRef>
-    <cs:spPr>
-      <a:ln w="19050" cap="rnd">
-        <a:solidFill>
-          <a:schemeClr val="phClr"/>
-        </a:solidFill>
-        <a:prstDash val="sysDot"/>
-      </a:ln>
-    </cs:spPr>
-  </cs:trendline>
-  <cs:trendlineLabel>
-    <cs:lnRef idx="0"/>
-    <cs:fillRef idx="0"/>
-    <cs:effectRef idx="0"/>
-    <cs:fontRef idx="minor">
-      <a:schemeClr val="tx1">
-        <a:lumMod val="65000"/>
-        <a:lumOff val="35000"/>
-      </a:schemeClr>
-    </cs:fontRef>
-    <cs:defRPr sz="1197" kern="1200"/>
-  </cs:trendlineLabel>
-  <cs:upBar>
-    <cs:lnRef idx="0"/>
-    <cs:fillRef idx="0"/>
-    <cs:effectRef idx="0"/>
-    <cs:fontRef idx="minor">
-      <a:schemeClr val="dk1"/>
-    </cs:fontRef>
-    <cs:spPr>
-      <a:solidFill>
-        <a:schemeClr val="lt1"/>
-      </a:solidFill>
-      <a:ln w="9525">
-        <a:solidFill>
-          <a:schemeClr val="tx1">
-            <a:lumMod val="15000"/>
-            <a:lumOff val="85000"/>
-          </a:schemeClr>
-        </a:solidFill>
-      </a:ln>
-    </cs:spPr>
-  </cs:upBar>
-  <cs:valueAxis>
-    <cs:lnRef idx="0"/>
-    <cs:fillRef idx="0"/>
-    <cs:effectRef idx="0"/>
-    <cs:fontRef idx="minor">
-      <a:schemeClr val="tx1">
-        <a:lumMod val="65000"/>
-        <a:lumOff val="35000"/>
-      </a:schemeClr>
-    </cs:fontRef>
-    <cs:defRPr sz="1197" kern="1200"/>
-  </cs:valueAxis>
-  <cs:wall>
-    <cs:lnRef idx="0"/>
-    <cs:fillRef idx="0"/>
-    <cs:effectRef idx="0"/>
-    <cs:fontRef idx="minor">
-      <a:schemeClr val="tx1"/>
-    </cs:fontRef>
-    <cs:spPr>
-      <a:noFill/>
-      <a:ln>
-        <a:noFill/>
-      </a:ln>
-    </cs:spPr>
-  </cs:wall>
-</cs:chartStyle>
-</file>
-
-<file path=ppt/charts/style2.xml><?xml version="1.0" encoding="utf-8"?>
 <cs:chartStyle xmlns:cs="http://schemas.microsoft.com/office/drawing/2012/chartStyle" xmlns:a="http://schemas.openxmlformats.org/drawingml/2006/main" id="297">
   <cs:axisTitle>
     <cs:lnRef idx="0"/>
@@ -2446,7 +1545,7 @@
 </cs:chartStyle>
 </file>
 
-<file path=ppt/charts/style3.xml><?xml version="1.0" encoding="utf-8"?>
+<file path=ppt/charts/style2.xml><?xml version="1.0" encoding="utf-8"?>
 <cs:chartStyle xmlns:cs="http://schemas.microsoft.com/office/drawing/2012/chartStyle" xmlns:a="http://schemas.openxmlformats.org/drawingml/2006/main" id="201">
   <cs:axisTitle>
     <cs:lnRef idx="0"/>
@@ -3229,7 +2328,7 @@
           <p:cNvPr id="2" name="页眉占位符 1">
             <a:extLst>
               <a:ext uri="{FF2B5EF4-FFF2-40B4-BE49-F238E27FC236}">
-                <a16:creationId xmlns:a16="http://schemas.microsoft.com/office/drawing/2014/main" xmlns="" id="{DF2C601E-48B2-4AA6-8DEC-E35C4266E834}"/>
+                <a16:creationId xmlns="" xmlns:a16="http://schemas.microsoft.com/office/drawing/2014/main" id="{DF2C601E-48B2-4AA6-8DEC-E35C4266E834}"/>
               </a:ext>
             </a:extLst>
           </p:cNvPr>
@@ -3266,7 +2365,7 @@
           <p:cNvPr id="3" name="日期占位符 2">
             <a:extLst>
               <a:ext uri="{FF2B5EF4-FFF2-40B4-BE49-F238E27FC236}">
-                <a16:creationId xmlns:a16="http://schemas.microsoft.com/office/drawing/2014/main" xmlns="" id="{11DB8250-615A-452E-8923-AE547F8734BE}"/>
+                <a16:creationId xmlns="" xmlns:a16="http://schemas.microsoft.com/office/drawing/2014/main" id="{11DB8250-615A-452E-8923-AE547F8734BE}"/>
               </a:ext>
             </a:extLst>
           </p:cNvPr>
@@ -3296,7 +2395,7 @@
           <a:p>
             <a:fld id="{11211C7E-669D-420F-B984-0DEC87D03FD1}" type="datetimeFigureOut">
               <a:rPr lang="zh-CN" altLang="en-US" smtClean="0"/>
-              <a:t>2019/3/8</a:t>
+              <a:t>2019/3/16</a:t>
             </a:fld>
             <a:endParaRPr lang="zh-CN" altLang="en-US"/>
           </a:p>
@@ -3307,7 +2406,7 @@
           <p:cNvPr id="4" name="页脚占位符 3">
             <a:extLst>
               <a:ext uri="{FF2B5EF4-FFF2-40B4-BE49-F238E27FC236}">
-                <a16:creationId xmlns:a16="http://schemas.microsoft.com/office/drawing/2014/main" xmlns="" id="{B4AFDC8F-610E-45C0-89EA-65C7356A6F68}"/>
+                <a16:creationId xmlns="" xmlns:a16="http://schemas.microsoft.com/office/drawing/2014/main" id="{B4AFDC8F-610E-45C0-89EA-65C7356A6F68}"/>
               </a:ext>
             </a:extLst>
           </p:cNvPr>
@@ -3344,7 +2443,7 @@
           <p:cNvPr id="5" name="灯片编号占位符 4">
             <a:extLst>
               <a:ext uri="{FF2B5EF4-FFF2-40B4-BE49-F238E27FC236}">
-                <a16:creationId xmlns:a16="http://schemas.microsoft.com/office/drawing/2014/main" xmlns="" id="{53D0CE1B-B8F1-400D-B68F-3B80AE9C7BC3}"/>
+                <a16:creationId xmlns="" xmlns:a16="http://schemas.microsoft.com/office/drawing/2014/main" id="{53D0CE1B-B8F1-400D-B68F-3B80AE9C7BC3}"/>
               </a:ext>
             </a:extLst>
           </p:cNvPr>
@@ -3473,7 +2572,7 @@
           <a:p>
             <a:fld id="{59445FFC-B1FA-48E0-B2CE-B2DC1A2BB159}" type="datetimeFigureOut">
               <a:rPr lang="zh-CN" altLang="en-US" smtClean="0"/>
-              <a:t>2019/3/8</a:t>
+              <a:t>2019/3/16</a:t>
             </a:fld>
             <a:endParaRPr lang="zh-CN" altLang="en-US"/>
           </a:p>
@@ -3805,91 +2904,7 @@
           <a:p>
             <a:fld id="{6278152C-88DB-40D8-8B94-A0F67FA0304A}" type="slidenum">
               <a:rPr lang="zh-CN" altLang="en-US" smtClean="0"/>
-              <a:t>1</a:t>
-            </a:fld>
-            <a:endParaRPr lang="zh-CN" altLang="en-US"/>
-          </a:p>
-        </p:txBody>
-      </p:sp>
-    </p:spTree>
-    <p:extLst>
-      <p:ext uri="{BB962C8B-B14F-4D97-AF65-F5344CB8AC3E}">
-        <p14:creationId xmlns:p14="http://schemas.microsoft.com/office/powerpoint/2010/main" val="1003618011"/>
-      </p:ext>
-    </p:extLst>
-  </p:cSld>
-  <p:clrMapOvr>
-    <a:masterClrMapping/>
-  </p:clrMapOvr>
-</p:notes>
-</file>
-
-<file path=ppt/notesSlides/notesSlide2.xml><?xml version="1.0" encoding="utf-8"?>
-<p:notes xmlns:a="http://schemas.openxmlformats.org/drawingml/2006/main" xmlns:r="http://schemas.openxmlformats.org/officeDocument/2006/relationships" xmlns:p="http://schemas.openxmlformats.org/presentationml/2006/main">
-  <p:cSld>
-    <p:spTree>
-      <p:nvGrpSpPr>
-        <p:cNvPr id="1" name=""/>
-        <p:cNvGrpSpPr/>
-        <p:nvPr/>
-      </p:nvGrpSpPr>
-      <p:grpSpPr>
-        <a:xfrm>
-          <a:off x="0" y="0"/>
-          <a:ext cx="0" cy="0"/>
-          <a:chOff x="0" y="0"/>
-          <a:chExt cx="0" cy="0"/>
-        </a:xfrm>
-      </p:grpSpPr>
-      <p:sp>
-        <p:nvSpPr>
-          <p:cNvPr id="2" name="幻灯片图像占位符 1"/>
-          <p:cNvSpPr>
-            <a:spLocks noGrp="1" noRot="1" noChangeAspect="1"/>
-          </p:cNvSpPr>
-          <p:nvPr>
-            <p:ph type="sldImg"/>
-          </p:nvPr>
-        </p:nvSpPr>
-        <p:spPr/>
-      </p:sp>
-      <p:sp>
-        <p:nvSpPr>
-          <p:cNvPr id="3" name="备注占位符 2"/>
-          <p:cNvSpPr>
-            <a:spLocks noGrp="1"/>
-          </p:cNvSpPr>
-          <p:nvPr>
-            <p:ph type="body" idx="1"/>
-          </p:nvPr>
-        </p:nvSpPr>
-        <p:spPr/>
-        <p:txBody>
-          <a:bodyPr/>
-          <a:lstStyle/>
-          <a:p>
-            <a:endParaRPr lang="zh-CN" altLang="en-US" dirty="0"/>
-          </a:p>
-        </p:txBody>
-      </p:sp>
-      <p:sp>
-        <p:nvSpPr>
-          <p:cNvPr id="4" name="灯片编号占位符 3"/>
-          <p:cNvSpPr>
-            <a:spLocks noGrp="1"/>
-          </p:cNvSpPr>
-          <p:nvPr>
-            <p:ph type="sldNum" sz="quarter" idx="10"/>
-          </p:nvPr>
-        </p:nvSpPr>
-        <p:spPr/>
-        <p:txBody>
-          <a:bodyPr/>
-          <a:lstStyle/>
-          <a:p>
-            <a:fld id="{6278152C-88DB-40D8-8B94-A0F67FA0304A}" type="slidenum">
-              <a:rPr lang="zh-CN" altLang="en-US" smtClean="0"/>
-              <a:t>7</a:t>
+              <a:t>5</a:t>
             </a:fld>
             <a:endParaRPr lang="zh-CN" altLang="en-US"/>
           </a:p>
@@ -4434,488 +3449,12 @@
           <a:chExt cx="0" cy="0"/>
         </a:xfrm>
       </p:grpSpPr>
-      <p:graphicFrame>
-        <p:nvGraphicFramePr>
-          <p:cNvPr id="5" name="图表 4">
-            <a:extLst>
-              <a:ext uri="{FF2B5EF4-FFF2-40B4-BE49-F238E27FC236}">
-                <a16:creationId xmlns:a16="http://schemas.microsoft.com/office/drawing/2014/main" xmlns="" id="{D7B4C682-9ECE-41E6-A9A0-D7062DDEEBC5}"/>
-              </a:ext>
-            </a:extLst>
-          </p:cNvPr>
-          <p:cNvGraphicFramePr/>
-          <p:nvPr>
-            <p:extLst/>
-          </p:nvPr>
-        </p:nvGraphicFramePr>
-        <p:xfrm>
-          <a:off x="691902" y="1490836"/>
-          <a:ext cx="5328592" cy="3566284"/>
-        </p:xfrm>
-        <a:graphic>
-          <a:graphicData uri="http://schemas.openxmlformats.org/drawingml/2006/chart">
-            <c:chart xmlns:c="http://schemas.openxmlformats.org/drawingml/2006/chart" xmlns:r="http://schemas.openxmlformats.org/officeDocument/2006/relationships" r:id="rId3"/>
-          </a:graphicData>
-        </a:graphic>
-      </p:graphicFrame>
-      <p:pic>
-        <p:nvPicPr>
-          <p:cNvPr id="17" name="图片 16">
-            <a:extLst>
-              <a:ext uri="{FF2B5EF4-FFF2-40B4-BE49-F238E27FC236}">
-                <a16:creationId xmlns:a16="http://schemas.microsoft.com/office/drawing/2014/main" xmlns="" id="{E01E303A-A462-4A63-B972-B1E4263705D1}"/>
-              </a:ext>
-            </a:extLst>
-          </p:cNvPr>
-          <p:cNvPicPr>
-            <a:picLocks noChangeAspect="1"/>
-          </p:cNvPicPr>
-          <p:nvPr/>
-        </p:nvPicPr>
-        <p:blipFill>
-          <a:blip r:embed="rId4" cstate="print">
-            <a:extLst>
-              <a:ext uri="{28A0092B-C50C-407E-A947-70E740481C1C}">
-                <a14:useLocalDpi xmlns:a14="http://schemas.microsoft.com/office/drawing/2010/main" val="0"/>
-              </a:ext>
-            </a:extLst>
-          </a:blip>
-          <a:stretch>
-            <a:fillRect/>
-          </a:stretch>
-        </p:blipFill>
-        <p:spPr>
-          <a:xfrm>
-            <a:off x="252563" y="266700"/>
-            <a:ext cx="1275895" cy="431948"/>
-          </a:xfrm>
-          <a:prstGeom prst="rect">
-            <a:avLst/>
-          </a:prstGeom>
-        </p:spPr>
-      </p:pic>
-      <p:sp>
-        <p:nvSpPr>
-          <p:cNvPr id="19" name="矩形 18">
-            <a:extLst>
-              <a:ext uri="{FF2B5EF4-FFF2-40B4-BE49-F238E27FC236}">
-                <a16:creationId xmlns:a16="http://schemas.microsoft.com/office/drawing/2014/main" xmlns="" id="{0BEBBC5D-D291-41AF-BBEB-06DA3F41AC65}"/>
-              </a:ext>
-            </a:extLst>
-          </p:cNvPr>
-          <p:cNvSpPr/>
-          <p:nvPr/>
-        </p:nvSpPr>
-        <p:spPr>
-          <a:xfrm>
-            <a:off x="5948487" y="4803204"/>
-            <a:ext cx="923902" cy="253916"/>
-          </a:xfrm>
-          <a:prstGeom prst="rect">
-            <a:avLst/>
-          </a:prstGeom>
-        </p:spPr>
-        <p:txBody>
-          <a:bodyPr wrap="square">
-            <a:spAutoFit/>
-          </a:bodyPr>
-          <a:lstStyle/>
-          <a:p>
-            <a:fld id="{B003DC61-8263-4D38-B314-B150A0DB5246}" type="datetime1">
-              <a:rPr lang="zh-CN" altLang="en-US" sz="1050">
-                <a:solidFill>
-                  <a:schemeClr val="tx2"/>
-                </a:solidFill>
-                <a:latin typeface="Harlow Solid Italic" panose="04030604020F02020D02" pitchFamily="82" charset="0"/>
-              </a:rPr>
-              <a:pPr/>
-              <a:t>2019/3/8</a:t>
-            </a:fld>
-            <a:endParaRPr lang="zh-CN" altLang="en-US" sz="1050" dirty="0">
-              <a:solidFill>
-                <a:schemeClr val="tx2"/>
-              </a:solidFill>
-              <a:latin typeface="Harlow Solid Italic" panose="04030604020F02020D02" pitchFamily="82" charset="0"/>
-            </a:endParaRPr>
-          </a:p>
-        </p:txBody>
-      </p:sp>
-      <p:sp>
-        <p:nvSpPr>
-          <p:cNvPr id="20" name="矩形 19">
-            <a:extLst>
-              <a:ext uri="{FF2B5EF4-FFF2-40B4-BE49-F238E27FC236}">
-                <a16:creationId xmlns:a16="http://schemas.microsoft.com/office/drawing/2014/main" xmlns="" id="{5B244A90-35BA-4022-B73C-B1EEDD4FE5B4}"/>
-              </a:ext>
-            </a:extLst>
-          </p:cNvPr>
-          <p:cNvSpPr/>
-          <p:nvPr/>
-        </p:nvSpPr>
-        <p:spPr>
-          <a:xfrm>
-            <a:off x="2060054" y="251905"/>
-            <a:ext cx="4136069" cy="461537"/>
-          </a:xfrm>
-          <a:prstGeom prst="rect">
-            <a:avLst/>
-          </a:prstGeom>
-        </p:spPr>
-        <p:txBody>
-          <a:bodyPr wrap="none">
-            <a:spAutoFit/>
-          </a:bodyPr>
-          <a:lstStyle/>
-          <a:p>
-            <a:r>
-              <a:rPr lang="zh-CN" altLang="en-US" sz="2399" dirty="0">
-                <a:solidFill>
-                  <a:schemeClr val="tx1">
-                    <a:lumMod val="85000"/>
-                    <a:lumOff val="15000"/>
-                  </a:schemeClr>
-                </a:solidFill>
-                <a:latin typeface="微软雅黑" panose="020B0503020204020204" pitchFamily="34" charset="-122"/>
-                <a:ea typeface="微软雅黑" panose="020B0503020204020204" pitchFamily="34" charset="-122"/>
-              </a:rPr>
-              <a:t>项目组进度汇报</a:t>
-            </a:r>
-            <a:r>
-              <a:rPr lang="en-US" altLang="zh-CN" sz="2399" dirty="0">
-                <a:solidFill>
-                  <a:schemeClr val="tx1">
-                    <a:lumMod val="85000"/>
-                    <a:lumOff val="15000"/>
-                  </a:schemeClr>
-                </a:solidFill>
-                <a:latin typeface="微软雅黑" panose="020B0503020204020204" pitchFamily="34" charset="-122"/>
-                <a:ea typeface="微软雅黑" panose="020B0503020204020204" pitchFamily="34" charset="-122"/>
-              </a:rPr>
-              <a:t>——OIS</a:t>
-            </a:r>
-            <a:r>
-              <a:rPr lang="zh-CN" altLang="en-US" sz="2399" dirty="0" smtClean="0">
-                <a:solidFill>
-                  <a:schemeClr val="tx1">
-                    <a:lumMod val="85000"/>
-                    <a:lumOff val="15000"/>
-                  </a:schemeClr>
-                </a:solidFill>
-                <a:latin typeface="微软雅黑" panose="020B0503020204020204" pitchFamily="34" charset="-122"/>
-                <a:ea typeface="微软雅黑" panose="020B0503020204020204" pitchFamily="34" charset="-122"/>
-              </a:rPr>
-              <a:t>项目</a:t>
-            </a:r>
-            <a:endParaRPr lang="zh-CN" altLang="en-US" sz="2399" dirty="0">
-              <a:solidFill>
-                <a:schemeClr val="tx1">
-                  <a:lumMod val="85000"/>
-                  <a:lumOff val="15000"/>
-                </a:schemeClr>
-              </a:solidFill>
-              <a:latin typeface="微软雅黑" panose="020B0503020204020204" pitchFamily="34" charset="-122"/>
-              <a:ea typeface="微软雅黑" panose="020B0503020204020204" pitchFamily="34" charset="-122"/>
-            </a:endParaRPr>
-          </a:p>
-        </p:txBody>
-      </p:sp>
-      <p:sp>
-        <p:nvSpPr>
-          <p:cNvPr id="21" name="内容占位符 1">
-            <a:extLst>
-              <a:ext uri="{FF2B5EF4-FFF2-40B4-BE49-F238E27FC236}">
-                <a16:creationId xmlns:a16="http://schemas.microsoft.com/office/drawing/2014/main" xmlns="" id="{9A19D43C-0FE6-4A1D-BAAB-B6C53F91EBEF}"/>
-              </a:ext>
-            </a:extLst>
-          </p:cNvPr>
-          <p:cNvSpPr txBox="1">
-            <a:spLocks/>
-          </p:cNvSpPr>
-          <p:nvPr/>
-        </p:nvSpPr>
-        <p:spPr>
-          <a:xfrm>
-            <a:off x="331862" y="1116919"/>
-            <a:ext cx="1872208" cy="445925"/>
-          </a:xfrm>
-          <a:prstGeom prst="rect">
-            <a:avLst/>
-          </a:prstGeom>
-        </p:spPr>
-        <p:txBody>
-          <a:bodyPr/>
-          <a:lstStyle>
-            <a:lvl1pPr marL="342900" indent="-342900" algn="l" defTabSz="914400" rtl="0" eaLnBrk="1" latinLnBrk="0" hangingPunct="1">
-              <a:spcBef>
-                <a:spcPct val="20000"/>
-              </a:spcBef>
-              <a:buFont typeface="Arial" panose="020B0604020202020204" pitchFamily="34" charset="0"/>
-              <a:buChar char="•"/>
-              <a:defRPr sz="3200" kern="1200">
-                <a:solidFill>
-                  <a:schemeClr val="tx1"/>
-                </a:solidFill>
-                <a:latin typeface="+mn-lt"/>
-                <a:ea typeface="+mn-ea"/>
-                <a:cs typeface="+mn-cs"/>
-              </a:defRPr>
-            </a:lvl1pPr>
-            <a:lvl2pPr marL="742950" indent="-285750" algn="l" defTabSz="914400" rtl="0" eaLnBrk="1" latinLnBrk="0" hangingPunct="1">
-              <a:spcBef>
-                <a:spcPct val="20000"/>
-              </a:spcBef>
-              <a:buFont typeface="Arial" panose="020B0604020202020204" pitchFamily="34" charset="0"/>
-              <a:buChar char="–"/>
-              <a:defRPr sz="2800" kern="1200">
-                <a:solidFill>
-                  <a:schemeClr val="tx1"/>
-                </a:solidFill>
-                <a:latin typeface="+mn-lt"/>
-                <a:ea typeface="+mn-ea"/>
-                <a:cs typeface="+mn-cs"/>
-              </a:defRPr>
-            </a:lvl2pPr>
-            <a:lvl3pPr marL="1143000" indent="-228600" algn="l" defTabSz="914400" rtl="0" eaLnBrk="1" latinLnBrk="0" hangingPunct="1">
-              <a:spcBef>
-                <a:spcPct val="20000"/>
-              </a:spcBef>
-              <a:buFont typeface="Arial" panose="020B0604020202020204" pitchFamily="34" charset="0"/>
-              <a:buChar char="•"/>
-              <a:defRPr sz="2400" kern="1200">
-                <a:solidFill>
-                  <a:schemeClr val="tx1"/>
-                </a:solidFill>
-                <a:latin typeface="+mn-lt"/>
-                <a:ea typeface="+mn-ea"/>
-                <a:cs typeface="+mn-cs"/>
-              </a:defRPr>
-            </a:lvl3pPr>
-            <a:lvl4pPr marL="1600200" indent="-228600" algn="l" defTabSz="914400" rtl="0" eaLnBrk="1" latinLnBrk="0" hangingPunct="1">
-              <a:spcBef>
-                <a:spcPct val="20000"/>
-              </a:spcBef>
-              <a:buFont typeface="Arial" panose="020B0604020202020204" pitchFamily="34" charset="0"/>
-              <a:buChar char="–"/>
-              <a:defRPr sz="2000" kern="1200">
-                <a:solidFill>
-                  <a:schemeClr val="tx1"/>
-                </a:solidFill>
-                <a:latin typeface="+mn-lt"/>
-                <a:ea typeface="+mn-ea"/>
-                <a:cs typeface="+mn-cs"/>
-              </a:defRPr>
-            </a:lvl4pPr>
-            <a:lvl5pPr marL="2057400" indent="-228600" algn="l" defTabSz="914400" rtl="0" eaLnBrk="1" latinLnBrk="0" hangingPunct="1">
-              <a:spcBef>
-                <a:spcPct val="20000"/>
-              </a:spcBef>
-              <a:buFont typeface="Arial" panose="020B0604020202020204" pitchFamily="34" charset="0"/>
-              <a:buChar char="»"/>
-              <a:defRPr sz="2000" kern="1200">
-                <a:solidFill>
-                  <a:schemeClr val="tx1"/>
-                </a:solidFill>
-                <a:latin typeface="+mn-lt"/>
-                <a:ea typeface="+mn-ea"/>
-                <a:cs typeface="+mn-cs"/>
-              </a:defRPr>
-            </a:lvl5pPr>
-            <a:lvl6pPr marL="2514600" indent="-228600" algn="l" defTabSz="914400" rtl="0" eaLnBrk="1" latinLnBrk="0" hangingPunct="1">
-              <a:spcBef>
-                <a:spcPct val="20000"/>
-              </a:spcBef>
-              <a:buFont typeface="Arial" panose="020B0604020202020204" pitchFamily="34" charset="0"/>
-              <a:buChar char="•"/>
-              <a:defRPr sz="2000" kern="1200">
-                <a:solidFill>
-                  <a:schemeClr val="tx1"/>
-                </a:solidFill>
-                <a:latin typeface="+mn-lt"/>
-                <a:ea typeface="+mn-ea"/>
-                <a:cs typeface="+mn-cs"/>
-              </a:defRPr>
-            </a:lvl6pPr>
-            <a:lvl7pPr marL="2971800" indent="-228600" algn="l" defTabSz="914400" rtl="0" eaLnBrk="1" latinLnBrk="0" hangingPunct="1">
-              <a:spcBef>
-                <a:spcPct val="20000"/>
-              </a:spcBef>
-              <a:buFont typeface="Arial" panose="020B0604020202020204" pitchFamily="34" charset="0"/>
-              <a:buChar char="•"/>
-              <a:defRPr sz="2000" kern="1200">
-                <a:solidFill>
-                  <a:schemeClr val="tx1"/>
-                </a:solidFill>
-                <a:latin typeface="+mn-lt"/>
-                <a:ea typeface="+mn-ea"/>
-                <a:cs typeface="+mn-cs"/>
-              </a:defRPr>
-            </a:lvl7pPr>
-            <a:lvl8pPr marL="3429000" indent="-228600" algn="l" defTabSz="914400" rtl="0" eaLnBrk="1" latinLnBrk="0" hangingPunct="1">
-              <a:spcBef>
-                <a:spcPct val="20000"/>
-              </a:spcBef>
-              <a:buFont typeface="Arial" panose="020B0604020202020204" pitchFamily="34" charset="0"/>
-              <a:buChar char="•"/>
-              <a:defRPr sz="2000" kern="1200">
-                <a:solidFill>
-                  <a:schemeClr val="tx1"/>
-                </a:solidFill>
-                <a:latin typeface="+mn-lt"/>
-                <a:ea typeface="+mn-ea"/>
-                <a:cs typeface="+mn-cs"/>
-              </a:defRPr>
-            </a:lvl8pPr>
-            <a:lvl9pPr marL="3886200" indent="-228600" algn="l" defTabSz="914400" rtl="0" eaLnBrk="1" latinLnBrk="0" hangingPunct="1">
-              <a:spcBef>
-                <a:spcPct val="20000"/>
-              </a:spcBef>
-              <a:buFont typeface="Arial" panose="020B0604020202020204" pitchFamily="34" charset="0"/>
-              <a:buChar char="•"/>
-              <a:defRPr sz="2000" kern="1200">
-                <a:solidFill>
-                  <a:schemeClr val="tx1"/>
-                </a:solidFill>
-                <a:latin typeface="+mn-lt"/>
-                <a:ea typeface="+mn-ea"/>
-                <a:cs typeface="+mn-cs"/>
-              </a:defRPr>
-            </a:lvl9pPr>
-          </a:lstStyle>
-          <a:p>
-            <a:r>
-              <a:rPr lang="zh-CN" altLang="en-US" sz="1800" dirty="0">
-                <a:latin typeface="微软雅黑" panose="020B0503020204020204" pitchFamily="34" charset="-122"/>
-                <a:ea typeface="微软雅黑" panose="020B0503020204020204" pitchFamily="34" charset="-122"/>
-              </a:rPr>
-              <a:t>组员评价</a:t>
-            </a:r>
-          </a:p>
-        </p:txBody>
-      </p:sp>
-      <p:sp>
-        <p:nvSpPr>
-          <p:cNvPr id="8" name="文本框 7">
-            <a:extLst>
-              <a:ext uri="{FF2B5EF4-FFF2-40B4-BE49-F238E27FC236}">
-                <a16:creationId xmlns:a16="http://schemas.microsoft.com/office/drawing/2014/main" xmlns="" id="{F8CA4503-F8E0-403F-8BF6-05E122C2D6E7}"/>
-              </a:ext>
-            </a:extLst>
-          </p:cNvPr>
-          <p:cNvSpPr txBox="1"/>
-          <p:nvPr/>
-        </p:nvSpPr>
-        <p:spPr>
-          <a:xfrm>
-            <a:off x="5840474" y="3579068"/>
-            <a:ext cx="1080120" cy="246221"/>
-          </a:xfrm>
-          <a:prstGeom prst="rect">
-            <a:avLst/>
-          </a:prstGeom>
-          <a:noFill/>
-        </p:spPr>
-        <p:txBody>
-          <a:bodyPr wrap="square" rtlCol="0">
-            <a:spAutoFit/>
-          </a:bodyPr>
-          <a:lstStyle/>
-          <a:p>
-            <a:r>
-              <a:rPr lang="zh-CN" altLang="en-US" sz="1000" dirty="0">
-                <a:solidFill>
-                  <a:srgbClr val="FF0000"/>
-                </a:solidFill>
-                <a:latin typeface="微软雅黑" panose="020B0503020204020204" pitchFamily="34" charset="-122"/>
-                <a:ea typeface="微软雅黑" panose="020B0503020204020204" pitchFamily="34" charset="-122"/>
-              </a:rPr>
-              <a:t>工作量基准线</a:t>
-            </a:r>
-          </a:p>
-        </p:txBody>
-      </p:sp>
-      <p:cxnSp>
-        <p:nvCxnSpPr>
-          <p:cNvPr id="3" name="直接连接符 2"/>
-          <p:cNvCxnSpPr/>
-          <p:nvPr/>
-        </p:nvCxnSpPr>
-        <p:spPr>
-          <a:xfrm>
-            <a:off x="1123949" y="3792554"/>
-            <a:ext cx="4896545" cy="0"/>
-          </a:xfrm>
-          <a:prstGeom prst="line">
-            <a:avLst/>
-          </a:prstGeom>
-          <a:ln w="19050">
-            <a:solidFill>
-              <a:srgbClr val="FF3300"/>
-            </a:solidFill>
-          </a:ln>
-        </p:spPr>
-        <p:style>
-          <a:lnRef idx="1">
-            <a:schemeClr val="accent1"/>
-          </a:lnRef>
-          <a:fillRef idx="0">
-            <a:schemeClr val="accent1"/>
-          </a:fillRef>
-          <a:effectRef idx="0">
-            <a:schemeClr val="accent1"/>
-          </a:effectRef>
-          <a:fontRef idx="minor">
-            <a:schemeClr val="tx1"/>
-          </a:fontRef>
-        </p:style>
-      </p:cxnSp>
-    </p:spTree>
-    <p:extLst>
-      <p:ext uri="{BB962C8B-B14F-4D97-AF65-F5344CB8AC3E}">
-        <p14:creationId xmlns:p14="http://schemas.microsoft.com/office/powerpoint/2010/main" val="1986038076"/>
-      </p:ext>
-    </p:extLst>
-  </p:cSld>
-  <p:clrMapOvr>
-    <a:masterClrMapping/>
-  </p:clrMapOvr>
-  <mc:AlternateContent xmlns:mc="http://schemas.openxmlformats.org/markup-compatibility/2006">
-    <mc:Choice xmlns:p14="http://schemas.microsoft.com/office/powerpoint/2010/main" Requires="p14">
-      <p:transition spd="med" p14:dur="700">
-        <p:fade/>
-      </p:transition>
-    </mc:Choice>
-    <mc:Fallback>
-      <p:transition spd="med">
-        <p:fade/>
-      </p:transition>
-    </mc:Fallback>
-  </mc:AlternateContent>
-</p:sld>
-</file>
-
-<file path=ppt/slides/slide2.xml><?xml version="1.0" encoding="utf-8"?>
-<p:sld xmlns:a="http://schemas.openxmlformats.org/drawingml/2006/main" xmlns:r="http://schemas.openxmlformats.org/officeDocument/2006/relationships" xmlns:p="http://schemas.openxmlformats.org/presentationml/2006/main">
-  <p:cSld>
-    <p:spTree>
-      <p:nvGrpSpPr>
-        <p:cNvPr id="1" name=""/>
-        <p:cNvGrpSpPr/>
-        <p:nvPr/>
-      </p:nvGrpSpPr>
-      <p:grpSpPr>
-        <a:xfrm>
-          <a:off x="0" y="0"/>
-          <a:ext cx="0" cy="0"/>
-          <a:chOff x="0" y="0"/>
-          <a:chExt cx="0" cy="0"/>
-        </a:xfrm>
-      </p:grpSpPr>
       <p:pic>
         <p:nvPicPr>
           <p:cNvPr id="3" name="图片 2">
             <a:extLst>
               <a:ext uri="{FF2B5EF4-FFF2-40B4-BE49-F238E27FC236}">
-                <a16:creationId xmlns:a16="http://schemas.microsoft.com/office/drawing/2014/main" xmlns="" id="{AA8DF5C1-7511-4418-BCF6-830F56C159E8}"/>
+                <a16:creationId xmlns="" xmlns:a16="http://schemas.microsoft.com/office/drawing/2014/main" id="{AA8DF5C1-7511-4418-BCF6-830F56C159E8}"/>
               </a:ext>
             </a:extLst>
           </p:cNvPr>
@@ -4951,7 +3490,7 @@
           <p:cNvPr id="4" name="矩形 3">
             <a:extLst>
               <a:ext uri="{FF2B5EF4-FFF2-40B4-BE49-F238E27FC236}">
-                <a16:creationId xmlns:a16="http://schemas.microsoft.com/office/drawing/2014/main" xmlns="" id="{D85A287D-C236-4E91-8618-B0D2B94A3440}"/>
+                <a16:creationId xmlns="" xmlns:a16="http://schemas.microsoft.com/office/drawing/2014/main" id="{D85A287D-C236-4E91-8618-B0D2B94A3440}"/>
               </a:ext>
             </a:extLst>
           </p:cNvPr>
@@ -4994,7 +3533,7 @@
           <p:cNvPr id="7" name="文本框 6">
             <a:extLst>
               <a:ext uri="{FF2B5EF4-FFF2-40B4-BE49-F238E27FC236}">
-                <a16:creationId xmlns:a16="http://schemas.microsoft.com/office/drawing/2014/main" xmlns="" id="{76381B54-5690-4350-9826-0DDD65E2B039}"/>
+                <a16:creationId xmlns="" xmlns:a16="http://schemas.microsoft.com/office/drawing/2014/main" id="{76381B54-5690-4350-9826-0DDD65E2B039}"/>
               </a:ext>
             </a:extLst>
           </p:cNvPr>
@@ -5019,7 +3558,7 @@
           <a:p>
             <a:pPr algn="ctr"/>
             <a:r>
-              <a:rPr lang="zh-CN" altLang="en-US" sz="3299" dirty="0" smtClean="0">
+              <a:rPr lang="en-US" altLang="zh-CN" sz="3299" dirty="0" smtClean="0">
                 <a:solidFill>
                   <a:schemeClr val="tx1">
                     <a:lumMod val="85000"/>
@@ -5029,9 +3568,9 @@
                 <a:latin typeface="微软雅黑" panose="020B0503020204020204" pitchFamily="34" charset="-122"/>
                 <a:ea typeface="微软雅黑" panose="020B0503020204020204" pitchFamily="34" charset="-122"/>
               </a:rPr>
-              <a:t>启亦电子组</a:t>
+              <a:t>GIS</a:t>
             </a:r>
-            <a:endParaRPr lang="zh-CN" altLang="en-US" sz="3299" dirty="0">
+            <a:endParaRPr lang="zh-CN" altLang="en-US" sz="3299" dirty="0" smtClean="0">
               <a:solidFill>
                 <a:schemeClr val="tx1">
                   <a:lumMod val="85000"/>
@@ -5049,7 +3588,7 @@
           <p:cNvPr id="6" name="矩形 5">
             <a:extLst>
               <a:ext uri="{FF2B5EF4-FFF2-40B4-BE49-F238E27FC236}">
-                <a16:creationId xmlns:a16="http://schemas.microsoft.com/office/drawing/2014/main" xmlns="" id="{9B8BA4F9-706B-4FD8-881A-258B8E1E9B3F}"/>
+                <a16:creationId xmlns="" xmlns:a16="http://schemas.microsoft.com/office/drawing/2014/main" id="{9B8BA4F9-706B-4FD8-881A-258B8E1E9B3F}"/>
               </a:ext>
             </a:extLst>
           </p:cNvPr>
@@ -5079,7 +3618,7 @@
                 <a:latin typeface="Harlow Solid Italic" panose="04030604020F02020D02" pitchFamily="82" charset="0"/>
               </a:rPr>
               <a:pPr/>
-              <a:t>2019/3/8</a:t>
+              <a:t>2019/3/16</a:t>
             </a:fld>
             <a:endParaRPr lang="zh-CN" altLang="en-US" sz="1050" dirty="0">
               <a:solidFill>
@@ -5115,7 +3654,7 @@
 </p:sld>
 </file>
 
-<file path=ppt/slides/slide3.xml><?xml version="1.0" encoding="utf-8"?>
+<file path=ppt/slides/slide2.xml><?xml version="1.0" encoding="utf-8"?>
 <p:sld xmlns:a="http://schemas.openxmlformats.org/drawingml/2006/main" xmlns:r="http://schemas.openxmlformats.org/officeDocument/2006/relationships" xmlns:p="http://schemas.openxmlformats.org/presentationml/2006/main">
   <p:cSld>
     <p:spTree>
@@ -5137,7 +3676,7 @@
           <p:cNvPr id="20" name="内容占位符 1">
             <a:extLst>
               <a:ext uri="{FF2B5EF4-FFF2-40B4-BE49-F238E27FC236}">
-                <a16:creationId xmlns:a16="http://schemas.microsoft.com/office/drawing/2014/main" xmlns="" id="{98B04B41-3951-44C5-BF84-30560901A6C3}"/>
+                <a16:creationId xmlns="" xmlns:a16="http://schemas.microsoft.com/office/drawing/2014/main" id="{98B04B41-3951-44C5-BF84-30560901A6C3}"/>
               </a:ext>
             </a:extLst>
           </p:cNvPr>
@@ -5310,7 +3849,7 @@
           <p:cNvPr id="6" name="表格 5">
             <a:extLst>
               <a:ext uri="{FF2B5EF4-FFF2-40B4-BE49-F238E27FC236}">
-                <a16:creationId xmlns:a16="http://schemas.microsoft.com/office/drawing/2014/main" xmlns="" id="{8C1E7DDE-59EB-428A-B1A6-295EE55BC850}"/>
+                <a16:creationId xmlns="" xmlns:a16="http://schemas.microsoft.com/office/drawing/2014/main" id="{8C1E7DDE-59EB-428A-B1A6-295EE55BC850}"/>
               </a:ext>
             </a:extLst>
           </p:cNvPr>
@@ -5339,14 +3878,14 @@
                 <a:gridCol w="799472">
                   <a:extLst>
                     <a:ext uri="{9D8B030D-6E8A-4147-A177-3AD203B41FA5}">
-                      <a16:colId xmlns:a16="http://schemas.microsoft.com/office/drawing/2014/main" xmlns="" val="20000"/>
+                      <a16:colId xmlns="" xmlns:a16="http://schemas.microsoft.com/office/drawing/2014/main" val="20000"/>
                     </a:ext>
                   </a:extLst>
                 </a:gridCol>
                 <a:gridCol w="4601128">
                   <a:extLst>
                     <a:ext uri="{9D8B030D-6E8A-4147-A177-3AD203B41FA5}">
-                      <a16:colId xmlns:a16="http://schemas.microsoft.com/office/drawing/2014/main" xmlns="" val="20001"/>
+                      <a16:colId xmlns="" xmlns:a16="http://schemas.microsoft.com/office/drawing/2014/main" val="20001"/>
                     </a:ext>
                   </a:extLst>
                 </a:gridCol>
@@ -5382,7 +3921,7 @@
                 </a:tc>
                 <a:extLst>
                   <a:ext uri="{0D108BD9-81ED-4DB2-BD59-A6C34878D82A}">
-                    <a16:rowId xmlns:a16="http://schemas.microsoft.com/office/drawing/2014/main" xmlns="" val="10000"/>
+                    <a16:rowId xmlns="" xmlns:a16="http://schemas.microsoft.com/office/drawing/2014/main" val="10000"/>
                   </a:ext>
                 </a:extLst>
               </a:tr>
@@ -5459,7 +3998,7 @@
                 </a:tc>
                 <a:extLst>
                   <a:ext uri="{0D108BD9-81ED-4DB2-BD59-A6C34878D82A}">
-                    <a16:rowId xmlns:a16="http://schemas.microsoft.com/office/drawing/2014/main" xmlns="" val="10001"/>
+                    <a16:rowId xmlns="" xmlns:a16="http://schemas.microsoft.com/office/drawing/2014/main" val="10001"/>
                   </a:ext>
                 </a:extLst>
               </a:tr>
@@ -5512,7 +4051,7 @@
                 </a:tc>
                 <a:extLst>
                   <a:ext uri="{0D108BD9-81ED-4DB2-BD59-A6C34878D82A}">
-                    <a16:rowId xmlns:a16="http://schemas.microsoft.com/office/drawing/2014/main" xmlns="" val="10002"/>
+                    <a16:rowId xmlns="" xmlns:a16="http://schemas.microsoft.com/office/drawing/2014/main" val="10002"/>
                   </a:ext>
                 </a:extLst>
               </a:tr>
@@ -5525,7 +4064,7 @@
           <p:cNvPr id="7" name="矩形 6">
             <a:extLst>
               <a:ext uri="{FF2B5EF4-FFF2-40B4-BE49-F238E27FC236}">
-                <a16:creationId xmlns:a16="http://schemas.microsoft.com/office/drawing/2014/main" xmlns="" id="{4226FB77-14E1-414F-8680-35DA3ED5BEAD}"/>
+                <a16:creationId xmlns="" xmlns:a16="http://schemas.microsoft.com/office/drawing/2014/main" id="{4226FB77-14E1-414F-8680-35DA3ED5BEAD}"/>
               </a:ext>
             </a:extLst>
           </p:cNvPr>
@@ -5555,7 +4094,7 @@
                 <a:latin typeface="Harlow Solid Italic" panose="04030604020F02020D02" pitchFamily="82" charset="0"/>
               </a:rPr>
               <a:pPr/>
-              <a:t>2019/3/8</a:t>
+              <a:t>2019/3/16</a:t>
             </a:fld>
             <a:endParaRPr lang="zh-CN" altLang="en-US" sz="1050" dirty="0">
               <a:solidFill>
@@ -5571,7 +4110,7 @@
           <p:cNvPr id="9" name="图片 8">
             <a:extLst>
               <a:ext uri="{FF2B5EF4-FFF2-40B4-BE49-F238E27FC236}">
-                <a16:creationId xmlns:a16="http://schemas.microsoft.com/office/drawing/2014/main" xmlns="" id="{0B7F61AC-CA50-4F8A-ACB8-5B0DD849CCD4}"/>
+                <a16:creationId xmlns="" xmlns:a16="http://schemas.microsoft.com/office/drawing/2014/main" id="{0B7F61AC-CA50-4F8A-ACB8-5B0DD849CCD4}"/>
               </a:ext>
             </a:extLst>
           </p:cNvPr>
@@ -5607,7 +4146,7 @@
           <p:cNvPr id="10" name="矩形 9">
             <a:extLst>
               <a:ext uri="{FF2B5EF4-FFF2-40B4-BE49-F238E27FC236}">
-                <a16:creationId xmlns:a16="http://schemas.microsoft.com/office/drawing/2014/main" xmlns="" id="{74370169-39A5-434F-9C1B-986C3EBE464B}"/>
+                <a16:creationId xmlns="" xmlns:a16="http://schemas.microsoft.com/office/drawing/2014/main" id="{74370169-39A5-434F-9C1B-986C3EBE464B}"/>
               </a:ext>
             </a:extLst>
           </p:cNvPr>
@@ -5706,7 +4245,7 @@
 </p:sld>
 </file>
 
-<file path=ppt/slides/slide4.xml><?xml version="1.0" encoding="utf-8"?>
+<file path=ppt/slides/slide3.xml><?xml version="1.0" encoding="utf-8"?>
 <p:sld xmlns:a="http://schemas.openxmlformats.org/drawingml/2006/main" xmlns:r="http://schemas.openxmlformats.org/officeDocument/2006/relationships" xmlns:p="http://schemas.openxmlformats.org/presentationml/2006/main">
   <p:cSld>
     <p:spTree>
@@ -5728,7 +4267,7 @@
           <p:cNvPr id="13" name="图片 12">
             <a:extLst>
               <a:ext uri="{FF2B5EF4-FFF2-40B4-BE49-F238E27FC236}">
-                <a16:creationId xmlns:a16="http://schemas.microsoft.com/office/drawing/2014/main" xmlns="" id="{A62B7A0B-F73D-414C-8BA2-B10A5B222D66}"/>
+                <a16:creationId xmlns="" xmlns:a16="http://schemas.microsoft.com/office/drawing/2014/main" id="{A62B7A0B-F73D-414C-8BA2-B10A5B222D66}"/>
               </a:ext>
             </a:extLst>
           </p:cNvPr>
@@ -5764,7 +4303,7 @@
           <p:cNvPr id="15" name="矩形 14">
             <a:extLst>
               <a:ext uri="{FF2B5EF4-FFF2-40B4-BE49-F238E27FC236}">
-                <a16:creationId xmlns:a16="http://schemas.microsoft.com/office/drawing/2014/main" xmlns="" id="{40ADA83D-DA7A-425D-AF26-9468983DF51D}"/>
+                <a16:creationId xmlns="" xmlns:a16="http://schemas.microsoft.com/office/drawing/2014/main" id="{40ADA83D-DA7A-425D-AF26-9468983DF51D}"/>
               </a:ext>
             </a:extLst>
           </p:cNvPr>
@@ -5794,7 +4333,7 @@
                 <a:latin typeface="Harlow Solid Italic" panose="04030604020F02020D02" pitchFamily="82" charset="0"/>
               </a:rPr>
               <a:pPr/>
-              <a:t>2019/3/8</a:t>
+              <a:t>2019/3/16</a:t>
             </a:fld>
             <a:endParaRPr lang="zh-CN" altLang="en-US" sz="1050" dirty="0">
               <a:solidFill>
@@ -5810,7 +4349,7 @@
           <p:cNvPr id="17" name="内容占位符 1">
             <a:extLst>
               <a:ext uri="{FF2B5EF4-FFF2-40B4-BE49-F238E27FC236}">
-                <a16:creationId xmlns:a16="http://schemas.microsoft.com/office/drawing/2014/main" xmlns="" id="{898AF782-369C-4403-BBAC-7532EAA71CE3}"/>
+                <a16:creationId xmlns="" xmlns:a16="http://schemas.microsoft.com/office/drawing/2014/main" id="{898AF782-369C-4403-BBAC-7532EAA71CE3}"/>
               </a:ext>
             </a:extLst>
           </p:cNvPr>
@@ -5983,7 +4522,7 @@
           <p:cNvPr id="7" name="矩形 6">
             <a:extLst>
               <a:ext uri="{FF2B5EF4-FFF2-40B4-BE49-F238E27FC236}">
-                <a16:creationId xmlns:a16="http://schemas.microsoft.com/office/drawing/2014/main" xmlns="" id="{74370169-39A5-434F-9C1B-986C3EBE464B}"/>
+                <a16:creationId xmlns="" xmlns:a16="http://schemas.microsoft.com/office/drawing/2014/main" id="{74370169-39A5-434F-9C1B-986C3EBE464B}"/>
               </a:ext>
             </a:extLst>
           </p:cNvPr>
@@ -6062,7 +4601,7 @@
           <p:cNvPr id="9" name="表格 8">
             <a:extLst>
               <a:ext uri="{FF2B5EF4-FFF2-40B4-BE49-F238E27FC236}">
-                <a16:creationId xmlns:a16="http://schemas.microsoft.com/office/drawing/2014/main" xmlns="" id="{1A0FBDB6-4DB6-4273-BEE0-22E488CBAA54}"/>
+                <a16:creationId xmlns="" xmlns:a16="http://schemas.microsoft.com/office/drawing/2014/main" id="{1A0FBDB6-4DB6-4273-BEE0-22E488CBAA54}"/>
               </a:ext>
             </a:extLst>
           </p:cNvPr>
@@ -6072,7 +4611,7 @@
           <p:nvPr>
             <p:extLst>
               <p:ext uri="{D42A27DB-BD31-4B8C-83A1-F6EECF244321}">
-                <p14:modId xmlns:p14="http://schemas.microsoft.com/office/powerpoint/2010/main" val="38664183"/>
+                <p14:modId xmlns:p14="http://schemas.microsoft.com/office/powerpoint/2010/main" val="1865202064"/>
               </p:ext>
             </p:extLst>
           </p:nvPr>
@@ -6091,21 +4630,21 @@
                 <a:gridCol w="900100">
                   <a:extLst>
                     <a:ext uri="{9D8B030D-6E8A-4147-A177-3AD203B41FA5}">
-                      <a16:colId xmlns:a16="http://schemas.microsoft.com/office/drawing/2014/main" xmlns="" val="20000"/>
+                      <a16:colId xmlns="" xmlns:a16="http://schemas.microsoft.com/office/drawing/2014/main" val="20000"/>
                     </a:ext>
                   </a:extLst>
                 </a:gridCol>
                 <a:gridCol w="1116124">
                   <a:extLst>
                     <a:ext uri="{9D8B030D-6E8A-4147-A177-3AD203B41FA5}">
-                      <a16:colId xmlns:a16="http://schemas.microsoft.com/office/drawing/2014/main" xmlns="" val="831374592"/>
+                      <a16:colId xmlns="" xmlns:a16="http://schemas.microsoft.com/office/drawing/2014/main" val="831374592"/>
                     </a:ext>
                   </a:extLst>
                 </a:gridCol>
                 <a:gridCol w="3384376">
                   <a:extLst>
                     <a:ext uri="{9D8B030D-6E8A-4147-A177-3AD203B41FA5}">
-                      <a16:colId xmlns:a16="http://schemas.microsoft.com/office/drawing/2014/main" xmlns="" val="20001"/>
+                      <a16:colId xmlns="" xmlns:a16="http://schemas.microsoft.com/office/drawing/2014/main" val="20001"/>
                     </a:ext>
                   </a:extLst>
                 </a:gridCol>
@@ -6156,7 +4695,7 @@
                 </a:tc>
                 <a:extLst>
                   <a:ext uri="{0D108BD9-81ED-4DB2-BD59-A6C34878D82A}">
-                    <a16:rowId xmlns:a16="http://schemas.microsoft.com/office/drawing/2014/main" xmlns="" val="10000"/>
+                    <a16:rowId xmlns="" xmlns:a16="http://schemas.microsoft.com/office/drawing/2014/main" val="10000"/>
                   </a:ext>
                 </a:extLst>
               </a:tr>
@@ -6183,6 +4722,10 @@
                         <a:tabLst/>
                         <a:defRPr/>
                       </a:pPr>
+                      <a:r>
+                        <a:rPr lang="zh-CN" altLang="en-US" sz="1400" dirty="0" smtClean="0"/>
+                        <a:t>启亦电子公司</a:t>
+                      </a:r>
                       <a:r>
                         <a:rPr lang="zh-CN" altLang="en-US" sz="1400" dirty="0" smtClean="0"/>
                         <a:t>调试</a:t>
@@ -6267,7 +4810,7 @@
                       </a:pPr>
                       <a:r>
                         <a:rPr lang="zh-CN" altLang="en-US" sz="1400" dirty="0" smtClean="0"/>
-                        <a:t>解决几处从数据库读取不正确的</a:t>
+                        <a:t>解决矩阵计算不正确的</a:t>
                       </a:r>
                       <a:r>
                         <a:rPr lang="en-US" altLang="zh-CN" sz="1400" dirty="0" smtClean="0"/>
@@ -6280,7 +4823,7 @@
                 </a:tc>
                 <a:extLst>
                   <a:ext uri="{0D108BD9-81ED-4DB2-BD59-A6C34878D82A}">
-                    <a16:rowId xmlns:a16="http://schemas.microsoft.com/office/drawing/2014/main" xmlns="" val="10001"/>
+                    <a16:rowId xmlns="" xmlns:a16="http://schemas.microsoft.com/office/drawing/2014/main" val="10001"/>
                   </a:ext>
                 </a:extLst>
               </a:tr>
@@ -6308,10 +4851,10 @@
                         <a:defRPr/>
                       </a:pPr>
                       <a:r>
-                        <a:rPr lang="en-US" altLang="zh-CN" sz="1400" dirty="0" smtClean="0"/>
-                        <a:t>UI</a:t>
+                        <a:rPr lang="zh-CN" altLang="en-US" sz="1400" dirty="0" smtClean="0"/>
+                        <a:t>启亦电子公司调试</a:t>
                       </a:r>
-                      <a:endParaRPr lang="en-US" altLang="zh-CN" sz="1400" dirty="0"/>
+                      <a:endParaRPr lang="en-US" altLang="zh-CN" sz="1400" dirty="0" smtClean="0"/>
                     </a:p>
                   </a:txBody>
                   <a:tcPr marL="68564" marR="68564" marT="34282" marB="34282" anchor="ctr"/>
@@ -6352,27 +4895,27 @@
                     <a:bodyPr/>
                     <a:lstStyle/>
                     <a:p>
-                      <a:pPr algn="l"/>
+                      <a:pPr algn="ctr"/>
                       <a:endParaRPr lang="zh-CN" altLang="en-US" sz="1400" dirty="0" smtClean="0"/>
                     </a:p>
                     <a:p>
-                      <a:pPr algn="l"/>
+                      <a:pPr algn="ctr"/>
                       <a:r>
                         <a:rPr lang="zh-CN" altLang="en-US" sz="1400" dirty="0" smtClean="0"/>
-                        <a:t>      完成</a:t>
+                        <a:t>解决页面显示不正确的</a:t>
                       </a:r>
                       <a:r>
-                        <a:rPr lang="zh-CN" altLang="en-US" sz="1400" dirty="0" smtClean="0"/>
-                        <a:t>不同接线方式分页的功能</a:t>
+                        <a:rPr lang="en-US" altLang="zh-CN" sz="1400" dirty="0" smtClean="0"/>
+                        <a:t>bug</a:t>
                       </a:r>
-                      <a:endParaRPr lang="zh-CN" altLang="en-US" sz="1400" dirty="0"/>
+                      <a:endParaRPr lang="zh-CN" altLang="en-US" sz="1400" dirty="0" smtClean="0"/>
                     </a:p>
                   </a:txBody>
                   <a:tcPr marL="68564" marR="68564" marT="34282" marB="34282"/>
                 </a:tc>
                 <a:extLst>
                   <a:ext uri="{0D108BD9-81ED-4DB2-BD59-A6C34878D82A}">
-                    <a16:rowId xmlns:a16="http://schemas.microsoft.com/office/drawing/2014/main" xmlns="" val="10002"/>
+                    <a16:rowId xmlns="" xmlns:a16="http://schemas.microsoft.com/office/drawing/2014/main" val="10002"/>
                   </a:ext>
                 </a:extLst>
               </a:tr>
@@ -6385,7 +4928,7 @@
                       <a:pPr algn="ctr"/>
                       <a:r>
                         <a:rPr lang="zh-CN" altLang="en-US" sz="1400" dirty="0" smtClean="0"/>
-                        <a:t>调试</a:t>
+                        <a:t>显示模块</a:t>
                       </a:r>
                       <a:endParaRPr lang="en-US" altLang="zh-CN" sz="1400" dirty="0"/>
                     </a:p>
@@ -6419,19 +4962,15 @@
                       <a:pPr algn="l"/>
                       <a:r>
                         <a:rPr lang="zh-CN" altLang="en-US" sz="1400" dirty="0" smtClean="0"/>
-                        <a:t>      </a:t>
+                        <a:t>     </a:t>
                       </a:r>
                       <a:r>
-                        <a:rPr lang="zh-CN" altLang="en-US" sz="1400" dirty="0" smtClean="0"/>
-                        <a:t>学习</a:t>
+                        <a:rPr lang="zh-CN" altLang="en-US" sz="1400" baseline="0" dirty="0" smtClean="0"/>
+                        <a:t>          </a:t>
                       </a:r>
                       <a:r>
-                        <a:rPr lang="en-US" altLang="zh-CN" sz="1400" dirty="0" err="1" smtClean="0"/>
-                        <a:t>GreenDao</a:t>
-                      </a:r>
-                      <a:r>
-                        <a:rPr lang="zh-CN" altLang="en-US" sz="1400" dirty="0" smtClean="0"/>
-                        <a:t>，调试软件</a:t>
+                        <a:rPr lang="zh-CN" altLang="en-US" sz="1400" baseline="0" dirty="0" smtClean="0"/>
+                        <a:t>完成全选删除的功能</a:t>
                       </a:r>
                       <a:endParaRPr lang="zh-CN" altLang="en-US" sz="1400" dirty="0"/>
                     </a:p>
@@ -6440,7 +4979,7 @@
                 </a:tc>
                 <a:extLst>
                   <a:ext uri="{0D108BD9-81ED-4DB2-BD59-A6C34878D82A}">
-                    <a16:rowId xmlns:a16="http://schemas.microsoft.com/office/drawing/2014/main" xmlns="" val="10003"/>
+                    <a16:rowId xmlns="" xmlns:a16="http://schemas.microsoft.com/office/drawing/2014/main" val="10003"/>
                   </a:ext>
                 </a:extLst>
               </a:tr>
@@ -6473,7 +5012,7 @@
 </p:sld>
 </file>
 
-<file path=ppt/slides/slide5.xml><?xml version="1.0" encoding="utf-8"?>
+<file path=ppt/slides/slide4.xml><?xml version="1.0" encoding="utf-8"?>
 <p:sld xmlns:a="http://schemas.openxmlformats.org/drawingml/2006/main" xmlns:r="http://schemas.openxmlformats.org/officeDocument/2006/relationships" xmlns:p="http://schemas.openxmlformats.org/presentationml/2006/main">
   <p:cSld>
     <p:spTree>
@@ -6495,7 +5034,7 @@
           <p:cNvPr id="13" name="图片 12">
             <a:extLst>
               <a:ext uri="{FF2B5EF4-FFF2-40B4-BE49-F238E27FC236}">
-                <a16:creationId xmlns:a16="http://schemas.microsoft.com/office/drawing/2014/main" xmlns="" id="{4DA88F36-C637-4EF8-BC83-E594F1B22591}"/>
+                <a16:creationId xmlns="" xmlns:a16="http://schemas.microsoft.com/office/drawing/2014/main" id="{4DA88F36-C637-4EF8-BC83-E594F1B22591}"/>
               </a:ext>
             </a:extLst>
           </p:cNvPr>
@@ -6531,7 +5070,7 @@
           <p:cNvPr id="15" name="矩形 14">
             <a:extLst>
               <a:ext uri="{FF2B5EF4-FFF2-40B4-BE49-F238E27FC236}">
-                <a16:creationId xmlns:a16="http://schemas.microsoft.com/office/drawing/2014/main" xmlns="" id="{70BE733B-A9E0-45E2-A925-07CA4456B0BA}"/>
+                <a16:creationId xmlns="" xmlns:a16="http://schemas.microsoft.com/office/drawing/2014/main" id="{70BE733B-A9E0-45E2-A925-07CA4456B0BA}"/>
               </a:ext>
             </a:extLst>
           </p:cNvPr>
@@ -6561,7 +5100,7 @@
                 <a:latin typeface="Harlow Solid Italic" panose="04030604020F02020D02" pitchFamily="82" charset="0"/>
               </a:rPr>
               <a:pPr/>
-              <a:t>2019/3/8</a:t>
+              <a:t>2019/3/16</a:t>
             </a:fld>
             <a:endParaRPr lang="zh-CN" altLang="en-US" sz="1050" dirty="0">
               <a:solidFill>
@@ -6577,7 +5116,7 @@
           <p:cNvPr id="17" name="内容占位符 1">
             <a:extLst>
               <a:ext uri="{FF2B5EF4-FFF2-40B4-BE49-F238E27FC236}">
-                <a16:creationId xmlns:a16="http://schemas.microsoft.com/office/drawing/2014/main" xmlns="" id="{FC880E3E-A345-4B71-B678-0C2F4711002E}"/>
+                <a16:creationId xmlns="" xmlns:a16="http://schemas.microsoft.com/office/drawing/2014/main" id="{FC880E3E-A345-4B71-B678-0C2F4711002E}"/>
               </a:ext>
             </a:extLst>
           </p:cNvPr>
@@ -6752,7 +5291,7 @@
           <p:nvPr>
             <p:extLst>
               <p:ext uri="{D42A27DB-BD31-4B8C-83A1-F6EECF244321}">
-                <p14:modId xmlns:p14="http://schemas.microsoft.com/office/powerpoint/2010/main" val="1782653192"/>
+                <p14:modId xmlns:p14="http://schemas.microsoft.com/office/powerpoint/2010/main" val="1942073873"/>
               </p:ext>
             </p:extLst>
           </p:nvPr>
@@ -6867,7 +5406,7 @@
           <p:cNvPr id="8" name="矩形 7">
             <a:extLst>
               <a:ext uri="{FF2B5EF4-FFF2-40B4-BE49-F238E27FC236}">
-                <a16:creationId xmlns:a16="http://schemas.microsoft.com/office/drawing/2014/main" xmlns="" id="{74370169-39A5-434F-9C1B-986C3EBE464B}"/>
+                <a16:creationId xmlns="" xmlns:a16="http://schemas.microsoft.com/office/drawing/2014/main" id="{74370169-39A5-434F-9C1B-986C3EBE464B}"/>
               </a:ext>
             </a:extLst>
           </p:cNvPr>
@@ -6966,786 +5505,7 @@
 </p:sld>
 </file>
 
-<file path=ppt/slides/slide6.xml><?xml version="1.0" encoding="utf-8"?>
-<p:sld xmlns:a="http://schemas.openxmlformats.org/drawingml/2006/main" xmlns:r="http://schemas.openxmlformats.org/officeDocument/2006/relationships" xmlns:p="http://schemas.openxmlformats.org/presentationml/2006/main">
-  <p:cSld>
-    <p:spTree>
-      <p:nvGrpSpPr>
-        <p:cNvPr id="1" name=""/>
-        <p:cNvGrpSpPr/>
-        <p:nvPr/>
-      </p:nvGrpSpPr>
-      <p:grpSpPr>
-        <a:xfrm>
-          <a:off x="0" y="0"/>
-          <a:ext cx="0" cy="0"/>
-          <a:chOff x="0" y="0"/>
-          <a:chExt cx="0" cy="0"/>
-        </a:xfrm>
-      </p:grpSpPr>
-      <p:pic>
-        <p:nvPicPr>
-          <p:cNvPr id="13" name="图片 12">
-            <a:extLst>
-              <a:ext uri="{FF2B5EF4-FFF2-40B4-BE49-F238E27FC236}">
-                <a16:creationId xmlns:a16="http://schemas.microsoft.com/office/drawing/2014/main" xmlns="" id="{A62B7A0B-F73D-414C-8BA2-B10A5B222D66}"/>
-              </a:ext>
-            </a:extLst>
-          </p:cNvPr>
-          <p:cNvPicPr>
-            <a:picLocks noChangeAspect="1"/>
-          </p:cNvPicPr>
-          <p:nvPr/>
-        </p:nvPicPr>
-        <p:blipFill>
-          <a:blip r:embed="rId2" cstate="print">
-            <a:extLst>
-              <a:ext uri="{28A0092B-C50C-407E-A947-70E740481C1C}">
-                <a14:useLocalDpi xmlns:a14="http://schemas.microsoft.com/office/drawing/2010/main" val="0"/>
-              </a:ext>
-            </a:extLst>
-          </a:blip>
-          <a:stretch>
-            <a:fillRect/>
-          </a:stretch>
-        </p:blipFill>
-        <p:spPr>
-          <a:xfrm>
-            <a:off x="252563" y="266700"/>
-            <a:ext cx="1275895" cy="431948"/>
-          </a:xfrm>
-          <a:prstGeom prst="rect">
-            <a:avLst/>
-          </a:prstGeom>
-        </p:spPr>
-      </p:pic>
-      <p:sp>
-        <p:nvSpPr>
-          <p:cNvPr id="15" name="矩形 14">
-            <a:extLst>
-              <a:ext uri="{FF2B5EF4-FFF2-40B4-BE49-F238E27FC236}">
-                <a16:creationId xmlns:a16="http://schemas.microsoft.com/office/drawing/2014/main" xmlns="" id="{40ADA83D-DA7A-425D-AF26-9468983DF51D}"/>
-              </a:ext>
-            </a:extLst>
-          </p:cNvPr>
-          <p:cNvSpPr/>
-          <p:nvPr/>
-        </p:nvSpPr>
-        <p:spPr>
-          <a:xfrm>
-            <a:off x="5948487" y="4803204"/>
-            <a:ext cx="923902" cy="253916"/>
-          </a:xfrm>
-          <a:prstGeom prst="rect">
-            <a:avLst/>
-          </a:prstGeom>
-        </p:spPr>
-        <p:txBody>
-          <a:bodyPr wrap="square">
-            <a:spAutoFit/>
-          </a:bodyPr>
-          <a:lstStyle/>
-          <a:p>
-            <a:fld id="{B003DC61-8263-4D38-B314-B150A0DB5246}" type="datetime1">
-              <a:rPr lang="zh-CN" altLang="en-US" sz="1050">
-                <a:solidFill>
-                  <a:schemeClr val="tx2"/>
-                </a:solidFill>
-                <a:latin typeface="Harlow Solid Italic" panose="04030604020F02020D02" pitchFamily="82" charset="0"/>
-              </a:rPr>
-              <a:pPr/>
-              <a:t>2019/3/8</a:t>
-            </a:fld>
-            <a:endParaRPr lang="zh-CN" altLang="en-US" sz="1050" dirty="0">
-              <a:solidFill>
-                <a:schemeClr val="tx2"/>
-              </a:solidFill>
-              <a:latin typeface="Harlow Solid Italic" panose="04030604020F02020D02" pitchFamily="82" charset="0"/>
-            </a:endParaRPr>
-          </a:p>
-        </p:txBody>
-      </p:sp>
-      <p:sp>
-        <p:nvSpPr>
-          <p:cNvPr id="17" name="内容占位符 1">
-            <a:extLst>
-              <a:ext uri="{FF2B5EF4-FFF2-40B4-BE49-F238E27FC236}">
-                <a16:creationId xmlns:a16="http://schemas.microsoft.com/office/drawing/2014/main" xmlns="" id="{898AF782-369C-4403-BBAC-7532EAA71CE3}"/>
-              </a:ext>
-            </a:extLst>
-          </p:cNvPr>
-          <p:cNvSpPr txBox="1">
-            <a:spLocks/>
-          </p:cNvSpPr>
-          <p:nvPr/>
-        </p:nvSpPr>
-        <p:spPr>
-          <a:xfrm>
-            <a:off x="331862" y="1116919"/>
-            <a:ext cx="1872208" cy="445925"/>
-          </a:xfrm>
-          <a:prstGeom prst="rect">
-            <a:avLst/>
-          </a:prstGeom>
-        </p:spPr>
-        <p:txBody>
-          <a:bodyPr/>
-          <a:lstStyle>
-            <a:lvl1pPr marL="342900" indent="-342900" algn="l" defTabSz="914400" rtl="0" eaLnBrk="1" latinLnBrk="0" hangingPunct="1">
-              <a:spcBef>
-                <a:spcPct val="20000"/>
-              </a:spcBef>
-              <a:buFont typeface="Arial" panose="020B0604020202020204" pitchFamily="34" charset="0"/>
-              <a:buChar char="•"/>
-              <a:defRPr sz="3200" kern="1200">
-                <a:solidFill>
-                  <a:schemeClr val="tx1"/>
-                </a:solidFill>
-                <a:latin typeface="+mn-lt"/>
-                <a:ea typeface="+mn-ea"/>
-                <a:cs typeface="+mn-cs"/>
-              </a:defRPr>
-            </a:lvl1pPr>
-            <a:lvl2pPr marL="742950" indent="-285750" algn="l" defTabSz="914400" rtl="0" eaLnBrk="1" latinLnBrk="0" hangingPunct="1">
-              <a:spcBef>
-                <a:spcPct val="20000"/>
-              </a:spcBef>
-              <a:buFont typeface="Arial" panose="020B0604020202020204" pitchFamily="34" charset="0"/>
-              <a:buChar char="–"/>
-              <a:defRPr sz="2800" kern="1200">
-                <a:solidFill>
-                  <a:schemeClr val="tx1"/>
-                </a:solidFill>
-                <a:latin typeface="+mn-lt"/>
-                <a:ea typeface="+mn-ea"/>
-                <a:cs typeface="+mn-cs"/>
-              </a:defRPr>
-            </a:lvl2pPr>
-            <a:lvl3pPr marL="1143000" indent="-228600" algn="l" defTabSz="914400" rtl="0" eaLnBrk="1" latinLnBrk="0" hangingPunct="1">
-              <a:spcBef>
-                <a:spcPct val="20000"/>
-              </a:spcBef>
-              <a:buFont typeface="Arial" panose="020B0604020202020204" pitchFamily="34" charset="0"/>
-              <a:buChar char="•"/>
-              <a:defRPr sz="2400" kern="1200">
-                <a:solidFill>
-                  <a:schemeClr val="tx1"/>
-                </a:solidFill>
-                <a:latin typeface="+mn-lt"/>
-                <a:ea typeface="+mn-ea"/>
-                <a:cs typeface="+mn-cs"/>
-              </a:defRPr>
-            </a:lvl3pPr>
-            <a:lvl4pPr marL="1600200" indent="-228600" algn="l" defTabSz="914400" rtl="0" eaLnBrk="1" latinLnBrk="0" hangingPunct="1">
-              <a:spcBef>
-                <a:spcPct val="20000"/>
-              </a:spcBef>
-              <a:buFont typeface="Arial" panose="020B0604020202020204" pitchFamily="34" charset="0"/>
-              <a:buChar char="–"/>
-              <a:defRPr sz="2000" kern="1200">
-                <a:solidFill>
-                  <a:schemeClr val="tx1"/>
-                </a:solidFill>
-                <a:latin typeface="+mn-lt"/>
-                <a:ea typeface="+mn-ea"/>
-                <a:cs typeface="+mn-cs"/>
-              </a:defRPr>
-            </a:lvl4pPr>
-            <a:lvl5pPr marL="2057400" indent="-228600" algn="l" defTabSz="914400" rtl="0" eaLnBrk="1" latinLnBrk="0" hangingPunct="1">
-              <a:spcBef>
-                <a:spcPct val="20000"/>
-              </a:spcBef>
-              <a:buFont typeface="Arial" panose="020B0604020202020204" pitchFamily="34" charset="0"/>
-              <a:buChar char="»"/>
-              <a:defRPr sz="2000" kern="1200">
-                <a:solidFill>
-                  <a:schemeClr val="tx1"/>
-                </a:solidFill>
-                <a:latin typeface="+mn-lt"/>
-                <a:ea typeface="+mn-ea"/>
-                <a:cs typeface="+mn-cs"/>
-              </a:defRPr>
-            </a:lvl5pPr>
-            <a:lvl6pPr marL="2514600" indent="-228600" algn="l" defTabSz="914400" rtl="0" eaLnBrk="1" latinLnBrk="0" hangingPunct="1">
-              <a:spcBef>
-                <a:spcPct val="20000"/>
-              </a:spcBef>
-              <a:buFont typeface="Arial" panose="020B0604020202020204" pitchFamily="34" charset="0"/>
-              <a:buChar char="•"/>
-              <a:defRPr sz="2000" kern="1200">
-                <a:solidFill>
-                  <a:schemeClr val="tx1"/>
-                </a:solidFill>
-                <a:latin typeface="+mn-lt"/>
-                <a:ea typeface="+mn-ea"/>
-                <a:cs typeface="+mn-cs"/>
-              </a:defRPr>
-            </a:lvl6pPr>
-            <a:lvl7pPr marL="2971800" indent="-228600" algn="l" defTabSz="914400" rtl="0" eaLnBrk="1" latinLnBrk="0" hangingPunct="1">
-              <a:spcBef>
-                <a:spcPct val="20000"/>
-              </a:spcBef>
-              <a:buFont typeface="Arial" panose="020B0604020202020204" pitchFamily="34" charset="0"/>
-              <a:buChar char="•"/>
-              <a:defRPr sz="2000" kern="1200">
-                <a:solidFill>
-                  <a:schemeClr val="tx1"/>
-                </a:solidFill>
-                <a:latin typeface="+mn-lt"/>
-                <a:ea typeface="+mn-ea"/>
-                <a:cs typeface="+mn-cs"/>
-              </a:defRPr>
-            </a:lvl7pPr>
-            <a:lvl8pPr marL="3429000" indent="-228600" algn="l" defTabSz="914400" rtl="0" eaLnBrk="1" latinLnBrk="0" hangingPunct="1">
-              <a:spcBef>
-                <a:spcPct val="20000"/>
-              </a:spcBef>
-              <a:buFont typeface="Arial" panose="020B0604020202020204" pitchFamily="34" charset="0"/>
-              <a:buChar char="•"/>
-              <a:defRPr sz="2000" kern="1200">
-                <a:solidFill>
-                  <a:schemeClr val="tx1"/>
-                </a:solidFill>
-                <a:latin typeface="+mn-lt"/>
-                <a:ea typeface="+mn-ea"/>
-                <a:cs typeface="+mn-cs"/>
-              </a:defRPr>
-            </a:lvl8pPr>
-            <a:lvl9pPr marL="3886200" indent="-228600" algn="l" defTabSz="914400" rtl="0" eaLnBrk="1" latinLnBrk="0" hangingPunct="1">
-              <a:spcBef>
-                <a:spcPct val="20000"/>
-              </a:spcBef>
-              <a:buFont typeface="Arial" panose="020B0604020202020204" pitchFamily="34" charset="0"/>
-              <a:buChar char="•"/>
-              <a:defRPr sz="2000" kern="1200">
-                <a:solidFill>
-                  <a:schemeClr val="tx1"/>
-                </a:solidFill>
-                <a:latin typeface="+mn-lt"/>
-                <a:ea typeface="+mn-ea"/>
-                <a:cs typeface="+mn-cs"/>
-              </a:defRPr>
-            </a:lvl9pPr>
-          </a:lstStyle>
-          <a:p>
-            <a:r>
-              <a:rPr lang="zh-CN" altLang="en-US" sz="1800" dirty="0">
-                <a:latin typeface="微软雅黑" panose="020B0503020204020204" pitchFamily="34" charset="-122"/>
-                <a:ea typeface="微软雅黑" panose="020B0503020204020204" pitchFamily="34" charset="-122"/>
-              </a:rPr>
-              <a:t>下周计划</a:t>
-            </a:r>
-          </a:p>
-        </p:txBody>
-      </p:sp>
-      <p:graphicFrame>
-        <p:nvGraphicFramePr>
-          <p:cNvPr id="18" name="表格 17">
-            <a:extLst>
-              <a:ext uri="{FF2B5EF4-FFF2-40B4-BE49-F238E27FC236}">
-                <a16:creationId xmlns:a16="http://schemas.microsoft.com/office/drawing/2014/main" xmlns="" id="{1A0FBDB6-4DB6-4273-BEE0-22E488CBAA54}"/>
-              </a:ext>
-            </a:extLst>
-          </p:cNvPr>
-          <p:cNvGraphicFramePr>
-            <a:graphicFrameLocks noGrp="1"/>
-          </p:cNvGraphicFramePr>
-          <p:nvPr>
-            <p:extLst>
-              <p:ext uri="{D42A27DB-BD31-4B8C-83A1-F6EECF244321}">
-                <p14:modId xmlns:p14="http://schemas.microsoft.com/office/powerpoint/2010/main" val="2063809279"/>
-              </p:ext>
-            </p:extLst>
-          </p:nvPr>
-        </p:nvGraphicFramePr>
-        <p:xfrm>
-          <a:off x="763910" y="1557772"/>
-          <a:ext cx="5400600" cy="2506082"/>
-        </p:xfrm>
-        <a:graphic>
-          <a:graphicData uri="http://schemas.openxmlformats.org/drawingml/2006/table">
-            <a:tbl>
-              <a:tblPr firstRow="1" bandRow="1">
-                <a:tableStyleId>{5C22544A-7EE6-4342-B048-85BDC9FD1C3A}</a:tableStyleId>
-              </a:tblPr>
-              <a:tblGrid>
-                <a:gridCol w="900100">
-                  <a:extLst>
-                    <a:ext uri="{9D8B030D-6E8A-4147-A177-3AD203B41FA5}">
-                      <a16:colId xmlns:a16="http://schemas.microsoft.com/office/drawing/2014/main" xmlns="" val="20000"/>
-                    </a:ext>
-                  </a:extLst>
-                </a:gridCol>
-                <a:gridCol w="1116124">
-                  <a:extLst>
-                    <a:ext uri="{9D8B030D-6E8A-4147-A177-3AD203B41FA5}">
-                      <a16:colId xmlns:a16="http://schemas.microsoft.com/office/drawing/2014/main" xmlns="" val="831374592"/>
-                    </a:ext>
-                  </a:extLst>
-                </a:gridCol>
-                <a:gridCol w="3384376">
-                  <a:extLst>
-                    <a:ext uri="{9D8B030D-6E8A-4147-A177-3AD203B41FA5}">
-                      <a16:colId xmlns:a16="http://schemas.microsoft.com/office/drawing/2014/main" xmlns="" val="20001"/>
-                    </a:ext>
-                  </a:extLst>
-                </a:gridCol>
-              </a:tblGrid>
-              <a:tr h="504056">
-                <a:tc>
-                  <a:txBody>
-                    <a:bodyPr/>
-                    <a:lstStyle/>
-                    <a:p>
-                      <a:pPr algn="ctr"/>
-                      <a:r>
-                        <a:rPr lang="zh-CN" altLang="en-US" sz="1400" dirty="0"/>
-                        <a:t>子模块名</a:t>
-                      </a:r>
-                    </a:p>
-                  </a:txBody>
-                  <a:tcPr marL="68564" marR="68564" marT="34282" marB="34282" anchor="ctr"/>
-                </a:tc>
-                <a:tc>
-                  <a:txBody>
-                    <a:bodyPr/>
-                    <a:lstStyle/>
-                    <a:p>
-                      <a:pPr algn="ctr"/>
-                      <a:r>
-                        <a:rPr lang="zh-CN" altLang="en-US" sz="1400" dirty="0"/>
-                        <a:t>负责人</a:t>
-                      </a:r>
-                    </a:p>
-                  </a:txBody>
-                  <a:tcPr marL="68564" marR="68564" marT="34282" marB="34282" anchor="ctr"/>
-                </a:tc>
-                <a:tc>
-                  <a:txBody>
-                    <a:bodyPr/>
-                    <a:lstStyle/>
-                    <a:p>
-                      <a:pPr algn="ctr"/>
-                      <a:r>
-                        <a:rPr lang="zh-CN" altLang="en-US" sz="1400" dirty="0" smtClean="0"/>
-                        <a:t>下周计划</a:t>
-                      </a:r>
-                      <a:endParaRPr lang="zh-CN" altLang="en-US" sz="1400" dirty="0"/>
-                    </a:p>
-                  </a:txBody>
-                  <a:tcPr marL="68564" marR="68564" marT="34282" marB="34282" anchor="ctr"/>
-                </a:tc>
-                <a:extLst>
-                  <a:ext uri="{0D108BD9-81ED-4DB2-BD59-A6C34878D82A}">
-                    <a16:rowId xmlns:a16="http://schemas.microsoft.com/office/drawing/2014/main" xmlns="" val="10000"/>
-                  </a:ext>
-                </a:extLst>
-              </a:tr>
-              <a:tr h="667342">
-                <a:tc>
-                  <a:txBody>
-                    <a:bodyPr/>
-                    <a:lstStyle/>
-                    <a:p>
-                      <a:pPr marL="0" marR="0" indent="0" algn="ctr" defTabSz="914400" rtl="0" eaLnBrk="1" fontAlgn="auto" latinLnBrk="0" hangingPunct="1">
-                        <a:lnSpc>
-                          <a:spcPct val="100000"/>
-                        </a:lnSpc>
-                        <a:spcBef>
-                          <a:spcPts val="0"/>
-                        </a:spcBef>
-                        <a:spcAft>
-                          <a:spcPts val="0"/>
-                        </a:spcAft>
-                        <a:buClrTx/>
-                        <a:buSzTx/>
-                        <a:buFontTx/>
-                        <a:buNone/>
-                        <a:tabLst/>
-                        <a:defRPr/>
-                      </a:pPr>
-                      <a:r>
-                        <a:rPr lang="zh-CN" altLang="en-US" sz="1400" dirty="0" smtClean="0"/>
-                        <a:t>调试</a:t>
-                      </a:r>
-                      <a:endParaRPr lang="zh-CN" altLang="en-US" sz="1400" dirty="0"/>
-                    </a:p>
-                  </a:txBody>
-                  <a:tcPr marL="68564" marR="68564" marT="34282" marB="34282" anchor="ctr"/>
-                </a:tc>
-                <a:tc>
-                  <a:txBody>
-                    <a:bodyPr/>
-                    <a:lstStyle/>
-                    <a:p>
-                      <a:pPr marL="0" marR="0" indent="0" algn="ctr" defTabSz="914400" rtl="0" eaLnBrk="1" fontAlgn="auto" latinLnBrk="0" hangingPunct="1">
-                        <a:lnSpc>
-                          <a:spcPct val="100000"/>
-                        </a:lnSpc>
-                        <a:spcBef>
-                          <a:spcPts val="0"/>
-                        </a:spcBef>
-                        <a:spcAft>
-                          <a:spcPts val="0"/>
-                        </a:spcAft>
-                        <a:buClrTx/>
-                        <a:buSzTx/>
-                        <a:buFontTx/>
-                        <a:buNone/>
-                        <a:tabLst/>
-                        <a:defRPr/>
-                      </a:pPr>
-                      <a:r>
-                        <a:rPr lang="zh-CN" altLang="en-US" sz="1400" dirty="0" smtClean="0"/>
-                        <a:t>易子闳</a:t>
-                      </a:r>
-                      <a:endParaRPr lang="zh-CN" altLang="en-US" sz="1400" dirty="0"/>
-                    </a:p>
-                  </a:txBody>
-                  <a:tcPr marL="68564" marR="68564" marT="34282" marB="34282" anchor="ctr"/>
-                </a:tc>
-                <a:tc>
-                  <a:txBody>
-                    <a:bodyPr/>
-                    <a:lstStyle/>
-                    <a:p>
-                      <a:pPr marL="0" marR="0" indent="0" algn="l" defTabSz="914400" rtl="0" eaLnBrk="1" fontAlgn="auto" latinLnBrk="0" hangingPunct="1">
-                        <a:lnSpc>
-                          <a:spcPct val="100000"/>
-                        </a:lnSpc>
-                        <a:spcBef>
-                          <a:spcPts val="0"/>
-                        </a:spcBef>
-                        <a:spcAft>
-                          <a:spcPts val="0"/>
-                        </a:spcAft>
-                        <a:buClrTx/>
-                        <a:buSzTx/>
-                        <a:buFontTx/>
-                        <a:buNone/>
-                        <a:tabLst/>
-                        <a:defRPr/>
-                      </a:pPr>
-                      <a:endParaRPr lang="zh-CN" altLang="en-US" sz="1400" dirty="0" smtClean="0"/>
-                    </a:p>
-                    <a:p>
-                      <a:pPr marL="0" marR="0" indent="0" algn="l" defTabSz="914400" rtl="0" eaLnBrk="1" fontAlgn="auto" latinLnBrk="0" hangingPunct="1">
-                        <a:lnSpc>
-                          <a:spcPct val="100000"/>
-                        </a:lnSpc>
-                        <a:spcBef>
-                          <a:spcPts val="0"/>
-                        </a:spcBef>
-                        <a:spcAft>
-                          <a:spcPts val="0"/>
-                        </a:spcAft>
-                        <a:buClrTx/>
-                        <a:buSzTx/>
-                        <a:buFontTx/>
-                        <a:buNone/>
-                        <a:tabLst/>
-                        <a:defRPr/>
-                      </a:pPr>
-                      <a:r>
-                        <a:rPr lang="zh-CN" altLang="en-US" sz="1400" dirty="0" smtClean="0"/>
-                        <a:t>去启亦电子公司联调</a:t>
-                      </a:r>
-                      <a:endParaRPr lang="zh-CN" altLang="en-US" sz="1400" dirty="0" smtClean="0"/>
-                    </a:p>
-                  </a:txBody>
-                  <a:tcPr marL="68564" marR="68564" marT="34282" marB="34282"/>
-                </a:tc>
-                <a:extLst>
-                  <a:ext uri="{0D108BD9-81ED-4DB2-BD59-A6C34878D82A}">
-                    <a16:rowId xmlns:a16="http://schemas.microsoft.com/office/drawing/2014/main" xmlns="" val="10001"/>
-                  </a:ext>
-                </a:extLst>
-              </a:tr>
-              <a:tr h="667342">
-                <a:tc>
-                  <a:txBody>
-                    <a:bodyPr/>
-                    <a:lstStyle/>
-                    <a:p>
-                      <a:pPr marL="0" marR="0" indent="0" algn="ctr" defTabSz="914400" rtl="0" eaLnBrk="1" fontAlgn="auto" latinLnBrk="0" hangingPunct="1">
-                        <a:lnSpc>
-                          <a:spcPct val="100000"/>
-                        </a:lnSpc>
-                        <a:spcBef>
-                          <a:spcPts val="0"/>
-                        </a:spcBef>
-                        <a:spcAft>
-                          <a:spcPts val="0"/>
-                        </a:spcAft>
-                        <a:buClrTx/>
-                        <a:buSzTx/>
-                        <a:buFontTx/>
-                        <a:buNone/>
-                        <a:tabLst/>
-                        <a:defRPr/>
-                      </a:pPr>
-                      <a:r>
-                        <a:rPr lang="zh-CN" altLang="en-US" sz="1400" dirty="0" smtClean="0"/>
-                        <a:t>调试</a:t>
-                      </a:r>
-                      <a:endParaRPr lang="en-US" altLang="zh-CN" sz="1400" dirty="0"/>
-                    </a:p>
-                  </a:txBody>
-                  <a:tcPr marL="68564" marR="68564" marT="34282" marB="34282" anchor="ctr"/>
-                </a:tc>
-                <a:tc>
-                  <a:txBody>
-                    <a:bodyPr/>
-                    <a:lstStyle/>
-                    <a:p>
-                      <a:pPr marL="0" marR="0" indent="0" algn="ctr" defTabSz="914400" rtl="0" eaLnBrk="1" fontAlgn="auto" latinLnBrk="0" hangingPunct="1">
-                        <a:lnSpc>
-                          <a:spcPct val="100000"/>
-                        </a:lnSpc>
-                        <a:spcBef>
-                          <a:spcPts val="0"/>
-                        </a:spcBef>
-                        <a:spcAft>
-                          <a:spcPts val="0"/>
-                        </a:spcAft>
-                        <a:buClrTx/>
-                        <a:buSzTx/>
-                        <a:buFontTx/>
-                        <a:buNone/>
-                        <a:tabLst/>
-                        <a:defRPr/>
-                      </a:pPr>
-                      <a:r>
-                        <a:rPr lang="zh-CN" altLang="en-US" sz="1400" dirty="0" smtClean="0"/>
-                        <a:t>曾耀沛</a:t>
-                      </a:r>
-                      <a:endParaRPr lang="en-US" altLang="zh-CN" sz="1400" dirty="0"/>
-                    </a:p>
-                  </a:txBody>
-                  <a:tcPr marL="68564" marR="68564" marT="34282" marB="34282" anchor="ctr"/>
-                </a:tc>
-                <a:tc>
-                  <a:txBody>
-                    <a:bodyPr/>
-                    <a:lstStyle/>
-                    <a:p>
-                      <a:pPr algn="l"/>
-                      <a:endParaRPr lang="zh-CN" altLang="en-US" sz="1400" dirty="0" smtClean="0"/>
-                    </a:p>
-                    <a:p>
-                      <a:pPr marL="0" marR="0" indent="0" algn="l" defTabSz="914400" rtl="0" eaLnBrk="1" fontAlgn="auto" latinLnBrk="0" hangingPunct="1">
-                        <a:lnSpc>
-                          <a:spcPct val="100000"/>
-                        </a:lnSpc>
-                        <a:spcBef>
-                          <a:spcPts val="0"/>
-                        </a:spcBef>
-                        <a:spcAft>
-                          <a:spcPts val="0"/>
-                        </a:spcAft>
-                        <a:buClrTx/>
-                        <a:buSzTx/>
-                        <a:buFontTx/>
-                        <a:buNone/>
-                        <a:tabLst/>
-                        <a:defRPr/>
-                      </a:pPr>
-                      <a:r>
-                        <a:rPr lang="zh-CN" altLang="en-US" sz="1400" dirty="0" smtClean="0"/>
-                        <a:t>去启亦电子公司联调</a:t>
-                      </a:r>
-                      <a:endParaRPr lang="zh-CN" altLang="en-US" sz="1400" dirty="0" smtClean="0"/>
-                    </a:p>
-                  </a:txBody>
-                  <a:tcPr marL="68564" marR="68564" marT="34282" marB="34282"/>
-                </a:tc>
-                <a:extLst>
-                  <a:ext uri="{0D108BD9-81ED-4DB2-BD59-A6C34878D82A}">
-                    <a16:rowId xmlns:a16="http://schemas.microsoft.com/office/drawing/2014/main" xmlns="" val="10002"/>
-                  </a:ext>
-                </a:extLst>
-              </a:tr>
-              <a:tr h="667342">
-                <a:tc>
-                  <a:txBody>
-                    <a:bodyPr/>
-                    <a:lstStyle/>
-                    <a:p>
-                      <a:pPr algn="ctr"/>
-                      <a:r>
-                        <a:rPr lang="zh-CN" altLang="en-US" sz="1400" dirty="0" smtClean="0"/>
-                        <a:t>调试</a:t>
-                      </a:r>
-                      <a:endParaRPr lang="en-US" altLang="zh-CN" sz="1400" dirty="0"/>
-                    </a:p>
-                  </a:txBody>
-                  <a:tcPr marL="68564" marR="68564" marT="34282" marB="34282" anchor="ctr"/>
-                </a:tc>
-                <a:tc>
-                  <a:txBody>
-                    <a:bodyPr/>
-                    <a:lstStyle/>
-                    <a:p>
-                      <a:pPr algn="ctr"/>
-                      <a:r>
-                        <a:rPr lang="zh-CN" altLang="en-US" sz="1400" dirty="0" smtClean="0"/>
-                        <a:t>卞龙云</a:t>
-                      </a:r>
-                      <a:endParaRPr lang="en-US" altLang="zh-CN" sz="1400" dirty="0"/>
-                    </a:p>
-                  </a:txBody>
-                  <a:tcPr marL="68564" marR="68564" marT="34282" marB="34282" anchor="ctr"/>
-                </a:tc>
-                <a:tc>
-                  <a:txBody>
-                    <a:bodyPr/>
-                    <a:lstStyle/>
-                    <a:p>
-                      <a:pPr algn="l"/>
-                      <a:endParaRPr lang="zh-CN" altLang="en-US" sz="1400" dirty="0" smtClean="0"/>
-                    </a:p>
-                    <a:p>
-                      <a:pPr marL="0" marR="0" indent="0" algn="l" defTabSz="914400" rtl="0" eaLnBrk="1" fontAlgn="auto" latinLnBrk="0" hangingPunct="1">
-                        <a:lnSpc>
-                          <a:spcPct val="100000"/>
-                        </a:lnSpc>
-                        <a:spcBef>
-                          <a:spcPts val="0"/>
-                        </a:spcBef>
-                        <a:spcAft>
-                          <a:spcPts val="0"/>
-                        </a:spcAft>
-                        <a:buClrTx/>
-                        <a:buSzTx/>
-                        <a:buFontTx/>
-                        <a:buNone/>
-                        <a:tabLst/>
-                        <a:defRPr/>
-                      </a:pPr>
-                      <a:r>
-                        <a:rPr lang="zh-CN" altLang="en-US" sz="1400" dirty="0" smtClean="0"/>
-                        <a:t>发现并解决软件存在的各种问题</a:t>
-                      </a:r>
-                      <a:endParaRPr lang="zh-CN" altLang="en-US" sz="1400" dirty="0" smtClean="0"/>
-                    </a:p>
-                  </a:txBody>
-                  <a:tcPr marL="68564" marR="68564" marT="34282" marB="34282"/>
-                </a:tc>
-                <a:extLst>
-                  <a:ext uri="{0D108BD9-81ED-4DB2-BD59-A6C34878D82A}">
-                    <a16:rowId xmlns:a16="http://schemas.microsoft.com/office/drawing/2014/main" xmlns="" val="10003"/>
-                  </a:ext>
-                </a:extLst>
-              </a:tr>
-            </a:tbl>
-          </a:graphicData>
-        </a:graphic>
-      </p:graphicFrame>
-      <p:sp>
-        <p:nvSpPr>
-          <p:cNvPr id="7" name="矩形 6">
-            <a:extLst>
-              <a:ext uri="{FF2B5EF4-FFF2-40B4-BE49-F238E27FC236}">
-                <a16:creationId xmlns:a16="http://schemas.microsoft.com/office/drawing/2014/main" xmlns="" id="{74370169-39A5-434F-9C1B-986C3EBE464B}"/>
-              </a:ext>
-            </a:extLst>
-          </p:cNvPr>
-          <p:cNvSpPr/>
-          <p:nvPr/>
-        </p:nvSpPr>
-        <p:spPr>
-          <a:xfrm>
-            <a:off x="2060054" y="251905"/>
-            <a:ext cx="4115229" cy="461537"/>
-          </a:xfrm>
-          <a:prstGeom prst="rect">
-            <a:avLst/>
-          </a:prstGeom>
-        </p:spPr>
-        <p:txBody>
-          <a:bodyPr wrap="none">
-            <a:spAutoFit/>
-          </a:bodyPr>
-          <a:lstStyle/>
-          <a:p>
-            <a:r>
-              <a:rPr lang="zh-CN" altLang="en-US" sz="2399" dirty="0" smtClean="0">
-                <a:solidFill>
-                  <a:schemeClr val="tx1">
-                    <a:lumMod val="85000"/>
-                    <a:lumOff val="15000"/>
-                  </a:schemeClr>
-                </a:solidFill>
-                <a:latin typeface="微软雅黑" panose="020B0503020204020204" pitchFamily="34" charset="-122"/>
-                <a:ea typeface="微软雅黑" panose="020B0503020204020204" pitchFamily="34" charset="-122"/>
-              </a:rPr>
-              <a:t>项目组进度汇报</a:t>
-            </a:r>
-            <a:r>
-              <a:rPr lang="en-US" altLang="zh-CN" sz="2399" dirty="0" smtClean="0">
-                <a:solidFill>
-                  <a:schemeClr val="tx1">
-                    <a:lumMod val="85000"/>
-                    <a:lumOff val="15000"/>
-                  </a:schemeClr>
-                </a:solidFill>
-                <a:latin typeface="微软雅黑" panose="020B0503020204020204" pitchFamily="34" charset="-122"/>
-                <a:ea typeface="微软雅黑" panose="020B0503020204020204" pitchFamily="34" charset="-122"/>
-              </a:rPr>
-              <a:t>——GIS</a:t>
-            </a:r>
-            <a:r>
-              <a:rPr lang="zh-CN" altLang="en-US" sz="2399" dirty="0" smtClean="0">
-                <a:solidFill>
-                  <a:schemeClr val="tx1">
-                    <a:lumMod val="85000"/>
-                    <a:lumOff val="15000"/>
-                  </a:schemeClr>
-                </a:solidFill>
-                <a:latin typeface="微软雅黑" panose="020B0503020204020204" pitchFamily="34" charset="-122"/>
-                <a:ea typeface="微软雅黑" panose="020B0503020204020204" pitchFamily="34" charset="-122"/>
-              </a:rPr>
-              <a:t>项目</a:t>
-            </a:r>
-            <a:endParaRPr lang="zh-CN" altLang="en-US" sz="2399" dirty="0">
-              <a:solidFill>
-                <a:schemeClr val="tx1">
-                  <a:lumMod val="85000"/>
-                  <a:lumOff val="15000"/>
-                </a:schemeClr>
-              </a:solidFill>
-              <a:latin typeface="微软雅黑" panose="020B0503020204020204" pitchFamily="34" charset="-122"/>
-              <a:ea typeface="微软雅黑" panose="020B0503020204020204" pitchFamily="34" charset="-122"/>
-            </a:endParaRPr>
-          </a:p>
-        </p:txBody>
-      </p:sp>
-    </p:spTree>
-    <p:extLst>
-      <p:ext uri="{BB962C8B-B14F-4D97-AF65-F5344CB8AC3E}">
-        <p14:creationId xmlns:p14="http://schemas.microsoft.com/office/powerpoint/2010/main" val="1431193253"/>
-      </p:ext>
-    </p:extLst>
-  </p:cSld>
-  <p:clrMapOvr>
-    <a:masterClrMapping/>
-  </p:clrMapOvr>
-  <mc:AlternateContent xmlns:mc="http://schemas.openxmlformats.org/markup-compatibility/2006" xmlns:p14="http://schemas.microsoft.com/office/powerpoint/2010/main">
-    <mc:Choice Requires="p14">
-      <p:transition spd="med" p14:dur="700">
-        <p:fade/>
-      </p:transition>
-    </mc:Choice>
-    <mc:Fallback xmlns="">
-      <p:transition spd="med">
-        <p:fade/>
-      </p:transition>
-    </mc:Fallback>
-  </mc:AlternateContent>
-</p:sld>
-</file>
-
-<file path=ppt/slides/slide7.xml><?xml version="1.0" encoding="utf-8"?>
+<file path=ppt/slides/slide5.xml><?xml version="1.0" encoding="utf-8"?>
 <p:sld xmlns:a="http://schemas.openxmlformats.org/drawingml/2006/main" xmlns:r="http://schemas.openxmlformats.org/officeDocument/2006/relationships" xmlns:p="http://schemas.openxmlformats.org/presentationml/2006/main">
   <p:cSld>
     <p:spTree>
@@ -7767,7 +5527,7 @@
           <p:cNvPr id="10" name="图表 9">
             <a:extLst>
               <a:ext uri="{FF2B5EF4-FFF2-40B4-BE49-F238E27FC236}">
-                <a16:creationId xmlns:a16="http://schemas.microsoft.com/office/drawing/2014/main" xmlns="" id="{D7B4C682-9ECE-41E6-A9A0-D7062DDEEBC5}"/>
+                <a16:creationId xmlns="" xmlns:a16="http://schemas.microsoft.com/office/drawing/2014/main" id="{D7B4C682-9ECE-41E6-A9A0-D7062DDEEBC5}"/>
               </a:ext>
             </a:extLst>
           </p:cNvPr>
@@ -7775,7 +5535,7 @@
           <p:nvPr>
             <p:extLst>
               <p:ext uri="{D42A27DB-BD31-4B8C-83A1-F6EECF244321}">
-                <p14:modId xmlns:p14="http://schemas.microsoft.com/office/powerpoint/2010/main" val="1591324132"/>
+                <p14:modId xmlns:p14="http://schemas.microsoft.com/office/powerpoint/2010/main" val="666059855"/>
               </p:ext>
             </p:extLst>
           </p:nvPr>
@@ -7795,7 +5555,7 @@
           <p:cNvPr id="17" name="图片 16">
             <a:extLst>
               <a:ext uri="{FF2B5EF4-FFF2-40B4-BE49-F238E27FC236}">
-                <a16:creationId xmlns:a16="http://schemas.microsoft.com/office/drawing/2014/main" xmlns="" id="{E01E303A-A462-4A63-B972-B1E4263705D1}"/>
+                <a16:creationId xmlns="" xmlns:a16="http://schemas.microsoft.com/office/drawing/2014/main" id="{E01E303A-A462-4A63-B972-B1E4263705D1}"/>
               </a:ext>
             </a:extLst>
           </p:cNvPr>
@@ -7831,7 +5591,7 @@
           <p:cNvPr id="19" name="矩形 18">
             <a:extLst>
               <a:ext uri="{FF2B5EF4-FFF2-40B4-BE49-F238E27FC236}">
-                <a16:creationId xmlns:a16="http://schemas.microsoft.com/office/drawing/2014/main" xmlns="" id="{0BEBBC5D-D291-41AF-BBEB-06DA3F41AC65}"/>
+                <a16:creationId xmlns="" xmlns:a16="http://schemas.microsoft.com/office/drawing/2014/main" id="{0BEBBC5D-D291-41AF-BBEB-06DA3F41AC65}"/>
               </a:ext>
             </a:extLst>
           </p:cNvPr>
@@ -7861,7 +5621,7 @@
                 <a:latin typeface="Harlow Solid Italic" panose="04030604020F02020D02" pitchFamily="82" charset="0"/>
               </a:rPr>
               <a:pPr/>
-              <a:t>2019/3/8</a:t>
+              <a:t>2019/3/16</a:t>
             </a:fld>
             <a:endParaRPr lang="zh-CN" altLang="en-US" sz="1050" dirty="0">
               <a:solidFill>
@@ -7877,7 +5637,7 @@
           <p:cNvPr id="21" name="内容占位符 1">
             <a:extLst>
               <a:ext uri="{FF2B5EF4-FFF2-40B4-BE49-F238E27FC236}">
-                <a16:creationId xmlns:a16="http://schemas.microsoft.com/office/drawing/2014/main" xmlns="" id="{9A19D43C-0FE6-4A1D-BAAB-B6C53F91EBEF}"/>
+                <a16:creationId xmlns="" xmlns:a16="http://schemas.microsoft.com/office/drawing/2014/main" id="{9A19D43C-0FE6-4A1D-BAAB-B6C53F91EBEF}"/>
               </a:ext>
             </a:extLst>
           </p:cNvPr>
@@ -8050,7 +5810,7 @@
           <p:cNvPr id="8" name="文本框 7">
             <a:extLst>
               <a:ext uri="{FF2B5EF4-FFF2-40B4-BE49-F238E27FC236}">
-                <a16:creationId xmlns:a16="http://schemas.microsoft.com/office/drawing/2014/main" xmlns="" id="{F8CA4503-F8E0-403F-8BF6-05E122C2D6E7}"/>
+                <a16:creationId xmlns="" xmlns:a16="http://schemas.microsoft.com/office/drawing/2014/main" id="{F8CA4503-F8E0-403F-8BF6-05E122C2D6E7}"/>
               </a:ext>
             </a:extLst>
           </p:cNvPr>
@@ -8091,7 +5851,7 @@
           <p:cNvPr id="9" name="矩形 8">
             <a:extLst>
               <a:ext uri="{FF2B5EF4-FFF2-40B4-BE49-F238E27FC236}">
-                <a16:creationId xmlns:a16="http://schemas.microsoft.com/office/drawing/2014/main" xmlns="" id="{74370169-39A5-434F-9C1B-986C3EBE464B}"/>
+                <a16:creationId xmlns="" xmlns:a16="http://schemas.microsoft.com/office/drawing/2014/main" id="{74370169-39A5-434F-9C1B-986C3EBE464B}"/>
               </a:ext>
             </a:extLst>
           </p:cNvPr>
